--- a/assets/ppt/introduction.pptx
+++ b/assets/ppt/introduction.pptx
@@ -5,7 +5,7 @@
     <p:sldMasterId id="2147483648" r:id="rId1"/>
   </p:sldMasterIdLst>
   <p:notesMasterIdLst>
-    <p:notesMasterId r:id="rId17"/>
+    <p:notesMasterId r:id="rId22"/>
   </p:notesMasterIdLst>
   <p:sldIdLst>
     <p:sldId id="256" r:id="rId2"/>
@@ -13,16 +13,21 @@
     <p:sldId id="315" r:id="rId4"/>
     <p:sldId id="317" r:id="rId5"/>
     <p:sldId id="305" r:id="rId6"/>
-    <p:sldId id="318" r:id="rId7"/>
-    <p:sldId id="329" r:id="rId8"/>
-    <p:sldId id="319" r:id="rId9"/>
-    <p:sldId id="320" r:id="rId10"/>
-    <p:sldId id="321" r:id="rId11"/>
-    <p:sldId id="322" r:id="rId12"/>
-    <p:sldId id="324" r:id="rId13"/>
-    <p:sldId id="326" r:id="rId14"/>
-    <p:sldId id="327" r:id="rId15"/>
-    <p:sldId id="323" r:id="rId16"/>
+    <p:sldId id="330" r:id="rId7"/>
+    <p:sldId id="318" r:id="rId8"/>
+    <p:sldId id="329" r:id="rId9"/>
+    <p:sldId id="319" r:id="rId10"/>
+    <p:sldId id="320" r:id="rId11"/>
+    <p:sldId id="321" r:id="rId12"/>
+    <p:sldId id="322" r:id="rId13"/>
+    <p:sldId id="324" r:id="rId14"/>
+    <p:sldId id="326" r:id="rId15"/>
+    <p:sldId id="327" r:id="rId16"/>
+    <p:sldId id="323" r:id="rId17"/>
+    <p:sldId id="331" r:id="rId18"/>
+    <p:sldId id="334" r:id="rId19"/>
+    <p:sldId id="332" r:id="rId20"/>
+    <p:sldId id="333" r:id="rId21"/>
   </p:sldIdLst>
   <p:sldSz cx="9144000" cy="6858000" type="screen4x3"/>
   <p:notesSz cx="6858000" cy="9144000"/>
@@ -749,6 +754,69 @@
 </file>
 
 <file path=ppt/notesSlides/notesSlide3.xml><?xml version="1.0" encoding="utf-8"?>
+<p:notes xmlns:a="http://schemas.openxmlformats.org/drawingml/2006/main" xmlns:r="http://schemas.openxmlformats.org/officeDocument/2006/relationships" xmlns:p="http://schemas.openxmlformats.org/presentationml/2006/main">
+  <p:cSld>
+    <p:spTree>
+      <p:nvGrpSpPr>
+        <p:cNvPr id="1" name=""/>
+        <p:cNvGrpSpPr/>
+        <p:nvPr/>
+      </p:nvGrpSpPr>
+      <p:grpSpPr>
+        <a:xfrm>
+          <a:off x="0" y="0"/>
+          <a:ext cx="0" cy="0"/>
+          <a:chOff x="0" y="0"/>
+          <a:chExt cx="0" cy="0"/>
+        </a:xfrm>
+      </p:grpSpPr>
+      <p:sp>
+        <p:nvSpPr>
+          <p:cNvPr id="46082" name="Rectangle 2"/>
+          <p:cNvSpPr>
+            <a:spLocks noGrp="1" noRot="1" noChangeAspect="1" noChangeArrowheads="1" noTextEdit="1"/>
+          </p:cNvSpPr>
+          <p:nvPr>
+            <p:ph type="sldImg"/>
+          </p:nvPr>
+        </p:nvSpPr>
+        <p:spPr>
+          <a:ln/>
+        </p:spPr>
+      </p:sp>
+      <p:sp>
+        <p:nvSpPr>
+          <p:cNvPr id="46083" name="Rectangle 3"/>
+          <p:cNvSpPr>
+            <a:spLocks noGrp="1" noChangeArrowheads="1"/>
+          </p:cNvSpPr>
+          <p:nvPr>
+            <p:ph type="body" idx="1"/>
+          </p:nvPr>
+        </p:nvSpPr>
+        <p:spPr/>
+        <p:txBody>
+          <a:bodyPr/>
+          <a:lstStyle/>
+          <a:p>
+            <a:endParaRPr lang="en-US"/>
+          </a:p>
+        </p:txBody>
+      </p:sp>
+    </p:spTree>
+    <p:extLst>
+      <p:ext uri="{BB962C8B-B14F-4D97-AF65-F5344CB8AC3E}">
+        <p14:creationId xmlns:p14="http://schemas.microsoft.com/office/powerpoint/2010/main" val="3408224811"/>
+      </p:ext>
+    </p:extLst>
+  </p:cSld>
+  <p:clrMapOvr>
+    <a:masterClrMapping/>
+  </p:clrMapOvr>
+</p:notes>
+</file>
+
+<file path=ppt/notesSlides/notesSlide4.xml><?xml version="1.0" encoding="utf-8"?>
 <p:notes xmlns:a="http://schemas.openxmlformats.org/drawingml/2006/main" xmlns:r="http://schemas.openxmlformats.org/officeDocument/2006/relationships" xmlns:p="http://schemas.openxmlformats.org/presentationml/2006/main" showMasterSp="0" showMasterPhAnim="0">
   <p:cSld>
     <p:spTree>
@@ -859,7 +927,7 @@
 </p:notes>
 </file>
 
-<file path=ppt/notesSlides/notesSlide4.xml><?xml version="1.0" encoding="utf-8"?>
+<file path=ppt/notesSlides/notesSlide5.xml><?xml version="1.0" encoding="utf-8"?>
 <p:notes xmlns:a="http://schemas.openxmlformats.org/drawingml/2006/main" xmlns:r="http://schemas.openxmlformats.org/officeDocument/2006/relationships" xmlns:p="http://schemas.openxmlformats.org/presentationml/2006/main" showMasterSp="0" showMasterPhAnim="0">
   <p:cSld>
     <p:spTree>
@@ -970,7 +1038,7 @@
 </p:notes>
 </file>
 
-<file path=ppt/notesSlides/notesSlide5.xml><?xml version="1.0" encoding="utf-8"?>
+<file path=ppt/notesSlides/notesSlide6.xml><?xml version="1.0" encoding="utf-8"?>
 <p:notes xmlns:a="http://schemas.openxmlformats.org/drawingml/2006/main" xmlns:r="http://schemas.openxmlformats.org/officeDocument/2006/relationships" xmlns:p="http://schemas.openxmlformats.org/presentationml/2006/main" showMasterSp="0" showMasterPhAnim="0">
   <p:cSld>
     <p:spTree>
@@ -1081,7 +1149,7 @@
 </p:notes>
 </file>
 
-<file path=ppt/notesSlides/notesSlide6.xml><?xml version="1.0" encoding="utf-8"?>
+<file path=ppt/notesSlides/notesSlide7.xml><?xml version="1.0" encoding="utf-8"?>
 <p:notes xmlns:a="http://schemas.openxmlformats.org/drawingml/2006/main" xmlns:r="http://schemas.openxmlformats.org/officeDocument/2006/relationships" xmlns:p="http://schemas.openxmlformats.org/presentationml/2006/main" showMasterSp="0" showMasterPhAnim="0">
   <p:cSld>
     <p:spTree>
@@ -1192,7 +1260,7 @@
 </p:notes>
 </file>
 
-<file path=ppt/notesSlides/notesSlide7.xml><?xml version="1.0" encoding="utf-8"?>
+<file path=ppt/notesSlides/notesSlide8.xml><?xml version="1.0" encoding="utf-8"?>
 <p:notes xmlns:a="http://schemas.openxmlformats.org/drawingml/2006/main" xmlns:r="http://schemas.openxmlformats.org/officeDocument/2006/relationships" xmlns:p="http://schemas.openxmlformats.org/presentationml/2006/main" showMasterSp="0" showMasterPhAnim="0">
   <p:cSld>
     <p:spTree>
@@ -4954,13 +5022,15 @@
           <a:p>
             <a:r>
               <a:rPr lang="en-US" dirty="0"/>
-              <a:t>Natural </a:t>
-            </a:r>
-            <a:r>
-              <a:rPr lang="en-US"/>
-              <a:t>Language Processing</a:t>
-            </a:r>
-            <a:endParaRPr lang="en-US" dirty="0"/>
+              <a:t>CMPT 825</a:t>
+            </a:r>
+            <a:br>
+              <a:rPr lang="en-US" dirty="0"/>
+            </a:br>
+            <a:r>
+              <a:rPr lang="en-US" dirty="0"/>
+              <a:t>Natural Language Processing</a:t>
+            </a:r>
           </a:p>
         </p:txBody>
       </p:sp>
@@ -4985,20 +5055,218 @@
           <a:lstStyle/>
           <a:p>
             <a:r>
-              <a:rPr lang="en-US" b="1" dirty="0" err="1"/>
-              <a:t>anoopsarkar.github.io</a:t>
-            </a:r>
-            <a:r>
               <a:rPr lang="en-US" b="1" dirty="0"/>
-              <a:t>/</a:t>
-            </a:r>
-            <a:r>
-              <a:rPr lang="en-US" b="1" dirty="0" err="1"/>
-              <a:t>nlp</a:t>
-            </a:r>
-            <a:r>
+              <a:t>Angel Xuan Chang</a:t>
+            </a:r>
+            <a:br>
               <a:rPr lang="en-US" b="1" dirty="0"/>
-              <a:t>-class</a:t>
+            </a:br>
+            <a:br>
+              <a:rPr lang="en-US" b="1" dirty="0"/>
+            </a:br>
+            <a:r>
+              <a:rPr lang="en-US" b="1" dirty="0">
+                <a:hlinkClick r:id="rId3"/>
+              </a:rPr>
+              <a:t>angelxuanchang.github.io/nlp-class</a:t>
+            </a:r>
+            <a:endParaRPr lang="en-US" b="1" dirty="0"/>
+          </a:p>
+        </p:txBody>
+      </p:sp>
+      <p:sp>
+        <p:nvSpPr>
+          <p:cNvPr id="4" name="Rectangle 3">
+            <a:extLst>
+              <a:ext uri="{FF2B5EF4-FFF2-40B4-BE49-F238E27FC236}">
+                <a16:creationId xmlns:a16="http://schemas.microsoft.com/office/drawing/2014/main" id="{9B034FA2-0F47-694D-8D64-7483ACCF85F1}"/>
+              </a:ext>
+            </a:extLst>
+          </p:cNvPr>
+          <p:cNvSpPr txBox="1">
+            <a:spLocks noChangeArrowheads="1"/>
+          </p:cNvSpPr>
+          <p:nvPr/>
+        </p:nvSpPr>
+        <p:spPr bwMode="auto">
+          <a:xfrm>
+            <a:off x="2743200" y="6497960"/>
+            <a:ext cx="6400800" cy="360040"/>
+          </a:xfrm>
+          <a:prstGeom prst="rect">
+            <a:avLst/>
+          </a:prstGeom>
+          <a:noFill/>
+          <a:ln w="9525">
+            <a:noFill/>
+            <a:miter lim="800000"/>
+            <a:headEnd/>
+            <a:tailEnd/>
+          </a:ln>
+          <a:effectLst/>
+        </p:spPr>
+        <p:txBody>
+          <a:bodyPr vert="horz" wrap="square" lIns="91440" tIns="45720" rIns="91440" bIns="45720" numCol="1" anchor="t" anchorCtr="0" compatLnSpc="1">
+            <a:prstTxWarp prst="textNoShape">
+              <a:avLst/>
+            </a:prstTxWarp>
+          </a:bodyPr>
+          <a:lstStyle>
+            <a:lvl1pPr marL="0" indent="0" algn="ctr" rtl="0" fontAlgn="base">
+              <a:spcBef>
+                <a:spcPct val="20000"/>
+              </a:spcBef>
+              <a:spcAft>
+                <a:spcPct val="0"/>
+              </a:spcAft>
+              <a:buNone/>
+              <a:defRPr sz="3200">
+                <a:solidFill>
+                  <a:schemeClr val="tx1"/>
+                </a:solidFill>
+                <a:latin typeface="+mn-lt"/>
+                <a:ea typeface="+mn-ea"/>
+                <a:cs typeface="+mn-cs"/>
+              </a:defRPr>
+            </a:lvl1pPr>
+            <a:lvl2pPr marL="457200" indent="0" algn="ctr" rtl="0" fontAlgn="base">
+              <a:spcBef>
+                <a:spcPct val="20000"/>
+              </a:spcBef>
+              <a:spcAft>
+                <a:spcPct val="0"/>
+              </a:spcAft>
+              <a:buNone/>
+              <a:defRPr sz="2800">
+                <a:solidFill>
+                  <a:schemeClr val="tx1"/>
+                </a:solidFill>
+                <a:latin typeface="+mn-lt"/>
+                <a:ea typeface="ＭＳ Ｐゴシック" charset="-128"/>
+              </a:defRPr>
+            </a:lvl2pPr>
+            <a:lvl3pPr marL="914400" indent="0" algn="ctr" rtl="0" fontAlgn="base">
+              <a:spcBef>
+                <a:spcPct val="20000"/>
+              </a:spcBef>
+              <a:spcAft>
+                <a:spcPct val="0"/>
+              </a:spcAft>
+              <a:buNone/>
+              <a:defRPr sz="2400">
+                <a:solidFill>
+                  <a:schemeClr val="tx1"/>
+                </a:solidFill>
+                <a:latin typeface="+mn-lt"/>
+                <a:ea typeface="ＭＳ Ｐゴシック" charset="-128"/>
+              </a:defRPr>
+            </a:lvl3pPr>
+            <a:lvl4pPr marL="1371600" indent="0" algn="ctr" rtl="0" fontAlgn="base">
+              <a:spcBef>
+                <a:spcPct val="20000"/>
+              </a:spcBef>
+              <a:spcAft>
+                <a:spcPct val="0"/>
+              </a:spcAft>
+              <a:buNone/>
+              <a:defRPr sz="2000">
+                <a:solidFill>
+                  <a:schemeClr val="tx1"/>
+                </a:solidFill>
+                <a:latin typeface="+mn-lt"/>
+                <a:ea typeface="ＭＳ Ｐゴシック" charset="-128"/>
+              </a:defRPr>
+            </a:lvl4pPr>
+            <a:lvl5pPr marL="1828800" indent="0" algn="ctr" rtl="0" fontAlgn="base">
+              <a:spcBef>
+                <a:spcPct val="20000"/>
+              </a:spcBef>
+              <a:spcAft>
+                <a:spcPct val="0"/>
+              </a:spcAft>
+              <a:buNone/>
+              <a:defRPr sz="2000">
+                <a:solidFill>
+                  <a:schemeClr val="tx1"/>
+                </a:solidFill>
+                <a:latin typeface="+mn-lt"/>
+                <a:ea typeface="ＭＳ Ｐゴシック" charset="-128"/>
+              </a:defRPr>
+            </a:lvl5pPr>
+            <a:lvl6pPr marL="2286000" indent="0" algn="ctr" rtl="0" fontAlgn="base">
+              <a:spcBef>
+                <a:spcPct val="20000"/>
+              </a:spcBef>
+              <a:spcAft>
+                <a:spcPct val="0"/>
+              </a:spcAft>
+              <a:buNone/>
+              <a:defRPr sz="2000">
+                <a:solidFill>
+                  <a:schemeClr val="tx1"/>
+                </a:solidFill>
+                <a:latin typeface="+mn-lt"/>
+                <a:ea typeface="ＭＳ Ｐゴシック" charset="-128"/>
+              </a:defRPr>
+            </a:lvl6pPr>
+            <a:lvl7pPr marL="2743200" indent="0" algn="ctr" rtl="0" fontAlgn="base">
+              <a:spcBef>
+                <a:spcPct val="20000"/>
+              </a:spcBef>
+              <a:spcAft>
+                <a:spcPct val="0"/>
+              </a:spcAft>
+              <a:buNone/>
+              <a:defRPr sz="2000">
+                <a:solidFill>
+                  <a:schemeClr val="tx1"/>
+                </a:solidFill>
+                <a:latin typeface="+mn-lt"/>
+                <a:ea typeface="ＭＳ Ｐゴシック" charset="-128"/>
+              </a:defRPr>
+            </a:lvl7pPr>
+            <a:lvl8pPr marL="3200400" indent="0" algn="ctr" rtl="0" fontAlgn="base">
+              <a:spcBef>
+                <a:spcPct val="20000"/>
+              </a:spcBef>
+              <a:spcAft>
+                <a:spcPct val="0"/>
+              </a:spcAft>
+              <a:buNone/>
+              <a:defRPr sz="2000">
+                <a:solidFill>
+                  <a:schemeClr val="tx1"/>
+                </a:solidFill>
+                <a:latin typeface="+mn-lt"/>
+                <a:ea typeface="ＭＳ Ｐゴシック" charset="-128"/>
+              </a:defRPr>
+            </a:lvl8pPr>
+            <a:lvl9pPr marL="3657600" indent="0" algn="ctr" rtl="0" fontAlgn="base">
+              <a:spcBef>
+                <a:spcPct val="20000"/>
+              </a:spcBef>
+              <a:spcAft>
+                <a:spcPct val="0"/>
+              </a:spcAft>
+              <a:buNone/>
+              <a:defRPr sz="2000">
+                <a:solidFill>
+                  <a:schemeClr val="tx1"/>
+                </a:solidFill>
+                <a:latin typeface="+mn-lt"/>
+                <a:ea typeface="ＭＳ Ｐゴシック" charset="-128"/>
+              </a:defRPr>
+            </a:lvl9pPr>
+          </a:lstStyle>
+          <a:p>
+            <a:pPr algn="r" eaLnBrk="1" hangingPunct="1"/>
+            <a:r>
+              <a:rPr lang="en-US" sz="2000" b="1" kern="0" dirty="0">
+                <a:solidFill>
+                  <a:schemeClr val="bg2"/>
+                </a:solidFill>
+              </a:rPr>
+              <a:t>Adapted from material by Anoop Sarkar</a:t>
             </a:r>
           </a:p>
         </p:txBody>
@@ -5012,6 +5280,518 @@
 </file>
 
 <file path=ppt/slides/slide10.xml><?xml version="1.0" encoding="utf-8"?>
+<p:sld xmlns:a="http://schemas.openxmlformats.org/drawingml/2006/main" xmlns:r="http://schemas.openxmlformats.org/officeDocument/2006/relationships" xmlns:p="http://schemas.openxmlformats.org/presentationml/2006/main">
+  <p:cSld>
+    <p:spTree>
+      <p:nvGrpSpPr>
+        <p:cNvPr id="1" name="Shape 62"/>
+        <p:cNvGrpSpPr/>
+        <p:nvPr/>
+      </p:nvGrpSpPr>
+      <p:grpSpPr>
+        <a:xfrm>
+          <a:off x="0" y="0"/>
+          <a:ext cx="0" cy="0"/>
+          <a:chOff x="0" y="0"/>
+          <a:chExt cx="0" cy="0"/>
+        </a:xfrm>
+      </p:grpSpPr>
+      <p:sp>
+        <p:nvSpPr>
+          <p:cNvPr id="63" name="Shape 63"/>
+          <p:cNvSpPr txBox="1">
+            <a:spLocks noGrp="1"/>
+          </p:cNvSpPr>
+          <p:nvPr>
+            <p:ph type="title"/>
+          </p:nvPr>
+        </p:nvSpPr>
+        <p:spPr>
+          <a:xfrm>
+            <a:off x="457200" y="556093"/>
+            <a:ext cx="8229600" cy="861744"/>
+          </a:xfrm>
+          <a:prstGeom prst="rect">
+            <a:avLst/>
+          </a:prstGeom>
+        </p:spPr>
+        <p:txBody>
+          <a:bodyPr lIns="91425" tIns="91425" rIns="91425" bIns="91425" anchor="b" anchorCtr="0">
+            <a:spAutoFit/>
+          </a:bodyPr>
+          <a:lstStyle/>
+          <a:p>
+            <a:pPr lvl="0" rtl="0">
+              <a:spcBef>
+                <a:spcPts val="0"/>
+              </a:spcBef>
+              <a:buNone/>
+            </a:pPr>
+            <a:r>
+              <a:rPr lang="en-GB" dirty="0"/>
+              <a:t>Different levels of language</a:t>
+            </a:r>
+          </a:p>
+        </p:txBody>
+      </p:sp>
+      <p:sp>
+        <p:nvSpPr>
+          <p:cNvPr id="64" name="Shape 64"/>
+          <p:cNvSpPr txBox="1">
+            <a:spLocks noGrp="1"/>
+          </p:cNvSpPr>
+          <p:nvPr>
+            <p:ph type="body" idx="1"/>
+          </p:nvPr>
+        </p:nvSpPr>
+        <p:spPr>
+          <a:xfrm>
+            <a:off x="457200" y="1600201"/>
+            <a:ext cx="8229600" cy="4431952"/>
+          </a:xfrm>
+          <a:prstGeom prst="rect">
+            <a:avLst/>
+          </a:prstGeom>
+        </p:spPr>
+        <p:txBody>
+          <a:bodyPr lIns="91425" tIns="91425" rIns="91425" bIns="91425" anchor="t" anchorCtr="0">
+            <a:spAutoFit/>
+          </a:bodyPr>
+          <a:lstStyle/>
+          <a:p>
+            <a:pPr marL="457200" lvl="0" indent="-381000" rtl="0">
+              <a:spcBef>
+                <a:spcPts val="0"/>
+              </a:spcBef>
+              <a:buClr>
+                <a:schemeClr val="dk1"/>
+              </a:buClr>
+              <a:buSzPct val="100000"/>
+              <a:buFont typeface="Arial"/>
+              <a:buChar char="●"/>
+            </a:pPr>
+            <a:r>
+              <a:rPr lang="en-GB" sz="2800" b="1" dirty="0"/>
+              <a:t>Syntax</a:t>
+            </a:r>
+            <a:r>
+              <a:rPr lang="en-GB" sz="2800" dirty="0"/>
+              <a:t>: sentence formation</a:t>
+            </a:r>
+          </a:p>
+          <a:p>
+            <a:pPr marL="914400" lvl="1" indent="-342900" rtl="0">
+              <a:spcBef>
+                <a:spcPts val="0"/>
+              </a:spcBef>
+              <a:buClr>
+                <a:schemeClr val="dk1"/>
+              </a:buClr>
+              <a:buSzPct val="100000"/>
+              <a:buFont typeface="Arial"/>
+              <a:buChar char="○"/>
+            </a:pPr>
+            <a:r>
+              <a:rPr lang="en-GB" sz="2000" dirty="0"/>
+              <a:t>e.g. The clown who the musician hits watches the ballerina</a:t>
+            </a:r>
+          </a:p>
+          <a:p>
+            <a:pPr marL="457200" lvl="0" indent="-381000" rtl="0">
+              <a:spcBef>
+                <a:spcPts val="0"/>
+              </a:spcBef>
+              <a:buClr>
+                <a:schemeClr val="dk1"/>
+              </a:buClr>
+              <a:buSzPct val="100000"/>
+              <a:buFont typeface="Arial"/>
+              <a:buChar char="●"/>
+            </a:pPr>
+            <a:endParaRPr lang="en-GB" sz="2800" b="1" dirty="0"/>
+          </a:p>
+          <a:p>
+            <a:pPr marL="457200" lvl="0" indent="-381000" rtl="0">
+              <a:spcBef>
+                <a:spcPts val="0"/>
+              </a:spcBef>
+              <a:buClr>
+                <a:schemeClr val="dk1"/>
+              </a:buClr>
+              <a:buSzPct val="100000"/>
+              <a:buFont typeface="Arial"/>
+              <a:buChar char="●"/>
+            </a:pPr>
+            <a:r>
+              <a:rPr lang="en-GB" sz="2800" b="1" dirty="0"/>
+              <a:t>Semantics</a:t>
+            </a:r>
+            <a:r>
+              <a:rPr lang="en-GB" sz="2800" dirty="0"/>
+              <a:t>: meaning (from syntax to logical formulas)</a:t>
+            </a:r>
+          </a:p>
+          <a:p>
+            <a:pPr marL="914400" lvl="1" indent="-342900" rtl="0">
+              <a:spcBef>
+                <a:spcPts val="0"/>
+              </a:spcBef>
+              <a:buClr>
+                <a:schemeClr val="dk1"/>
+              </a:buClr>
+              <a:buSzPct val="100000"/>
+              <a:buFont typeface="Arial"/>
+              <a:buChar char="○"/>
+            </a:pPr>
+            <a:r>
+              <a:rPr lang="en-GB" sz="2000" dirty="0"/>
+              <a:t>e.g.  Everyone is not here =&gt; what does this mean? Nobody / Not everyone is here.</a:t>
+            </a:r>
+          </a:p>
+          <a:p>
+            <a:pPr marL="457200" lvl="0" indent="-381000" rtl="0">
+              <a:spcBef>
+                <a:spcPts val="0"/>
+              </a:spcBef>
+              <a:buClr>
+                <a:schemeClr val="dk1"/>
+              </a:buClr>
+              <a:buSzPct val="100000"/>
+              <a:buFont typeface="Arial"/>
+              <a:buChar char="●"/>
+            </a:pPr>
+            <a:endParaRPr lang="en-GB" sz="2800" b="1" dirty="0"/>
+          </a:p>
+          <a:p>
+            <a:pPr marL="457200" lvl="0" indent="-381000" rtl="0">
+              <a:spcBef>
+                <a:spcPts val="0"/>
+              </a:spcBef>
+              <a:buClr>
+                <a:schemeClr val="dk1"/>
+              </a:buClr>
+              <a:buSzPct val="100000"/>
+              <a:buFont typeface="Arial"/>
+              <a:buChar char="●"/>
+            </a:pPr>
+            <a:r>
+              <a:rPr lang="en-GB" sz="2800" b="1" dirty="0"/>
+              <a:t>Pragmatics</a:t>
+            </a:r>
+            <a:r>
+              <a:rPr lang="en-GB" sz="2800" dirty="0"/>
+              <a:t>: meaning that is not part of compositional meaning,</a:t>
+            </a:r>
+          </a:p>
+          <a:p>
+            <a:pPr marL="914400" lvl="1" indent="-342900" rtl="0">
+              <a:spcBef>
+                <a:spcPts val="0"/>
+              </a:spcBef>
+              <a:buClr>
+                <a:schemeClr val="dk1"/>
+              </a:buClr>
+              <a:buSzPct val="100000"/>
+              <a:buFont typeface="Arial"/>
+              <a:buChar char="○"/>
+            </a:pPr>
+            <a:r>
+              <a:rPr lang="en-GB" sz="2000" dirty="0"/>
+              <a:t>e.g. “The ham sandwich wants a beer”</a:t>
+            </a:r>
+          </a:p>
+        </p:txBody>
+      </p:sp>
+    </p:spTree>
+    <p:extLst>
+      <p:ext uri="{BB962C8B-B14F-4D97-AF65-F5344CB8AC3E}">
+        <p14:creationId xmlns:p14="http://schemas.microsoft.com/office/powerpoint/2010/main" val="1626974650"/>
+      </p:ext>
+    </p:extLst>
+  </p:cSld>
+  <p:clrMapOvr>
+    <a:masterClrMapping/>
+  </p:clrMapOvr>
+  <p:transition spd="slow">
+    <p:cut/>
+  </p:transition>
+  <p:timing>
+    <p:tnLst>
+      <p:par>
+        <p:cTn id="1" dur="indefinite" restart="never" nodeType="tmRoot">
+          <p:childTnLst>
+            <p:seq concurrent="1" nextAc="seek">
+              <p:cTn id="2" dur="indefinite" nodeType="mainSeq">
+                <p:childTnLst>
+                  <p:par>
+                    <p:cTn id="3" fill="hold">
+                      <p:stCondLst>
+                        <p:cond delay="indefinite"/>
+                      </p:stCondLst>
+                      <p:childTnLst>
+                        <p:par>
+                          <p:cTn id="4" fill="hold">
+                            <p:stCondLst>
+                              <p:cond delay="0"/>
+                            </p:stCondLst>
+                            <p:childTnLst>
+                              <p:par>
+                                <p:cTn id="5" presetID="1" presetClass="entr" presetSubtype="0" fill="hold" grpId="0" nodeType="clickEffect">
+                                  <p:stCondLst>
+                                    <p:cond delay="0"/>
+                                  </p:stCondLst>
+                                  <p:childTnLst>
+                                    <p:set>
+                                      <p:cBhvr>
+                                        <p:cTn id="6" dur="1" fill="hold">
+                                          <p:stCondLst>
+                                            <p:cond delay="0"/>
+                                          </p:stCondLst>
+                                        </p:cTn>
+                                        <p:tgtEl>
+                                          <p:spTgt spid="64">
+                                            <p:txEl>
+                                              <p:pRg st="0" end="0"/>
+                                            </p:txEl>
+                                          </p:spTgt>
+                                        </p:tgtEl>
+                                        <p:attrNameLst>
+                                          <p:attrName>style.visibility</p:attrName>
+                                        </p:attrNameLst>
+                                      </p:cBhvr>
+                                      <p:to>
+                                        <p:strVal val="visible"/>
+                                      </p:to>
+                                    </p:set>
+                                  </p:childTnLst>
+                                </p:cTn>
+                              </p:par>
+                              <p:par>
+                                <p:cTn id="7" presetID="1" presetClass="entr" presetSubtype="0" fill="hold" grpId="0" nodeType="withEffect">
+                                  <p:stCondLst>
+                                    <p:cond delay="0"/>
+                                  </p:stCondLst>
+                                  <p:childTnLst>
+                                    <p:set>
+                                      <p:cBhvr>
+                                        <p:cTn id="8" dur="1" fill="hold">
+                                          <p:stCondLst>
+                                            <p:cond delay="0"/>
+                                          </p:stCondLst>
+                                        </p:cTn>
+                                        <p:tgtEl>
+                                          <p:spTgt spid="64">
+                                            <p:txEl>
+                                              <p:pRg st="1" end="1"/>
+                                            </p:txEl>
+                                          </p:spTgt>
+                                        </p:tgtEl>
+                                        <p:attrNameLst>
+                                          <p:attrName>style.visibility</p:attrName>
+                                        </p:attrNameLst>
+                                      </p:cBhvr>
+                                      <p:to>
+                                        <p:strVal val="visible"/>
+                                      </p:to>
+                                    </p:set>
+                                  </p:childTnLst>
+                                </p:cTn>
+                              </p:par>
+                            </p:childTnLst>
+                          </p:cTn>
+                        </p:par>
+                      </p:childTnLst>
+                    </p:cTn>
+                  </p:par>
+                  <p:par>
+                    <p:cTn id="9" fill="hold">
+                      <p:stCondLst>
+                        <p:cond delay="indefinite"/>
+                      </p:stCondLst>
+                      <p:childTnLst>
+                        <p:par>
+                          <p:cTn id="10" fill="hold">
+                            <p:stCondLst>
+                              <p:cond delay="0"/>
+                            </p:stCondLst>
+                            <p:childTnLst>
+                              <p:par>
+                                <p:cTn id="11" presetID="1" presetClass="entr" presetSubtype="0" fill="hold" grpId="0" nodeType="clickEffect">
+                                  <p:stCondLst>
+                                    <p:cond delay="0"/>
+                                  </p:stCondLst>
+                                  <p:childTnLst>
+                                    <p:set>
+                                      <p:cBhvr>
+                                        <p:cTn id="12" dur="1" fill="hold">
+                                          <p:stCondLst>
+                                            <p:cond delay="0"/>
+                                          </p:stCondLst>
+                                        </p:cTn>
+                                        <p:tgtEl>
+                                          <p:spTgt spid="64">
+                                            <p:txEl>
+                                              <p:pRg st="3" end="3"/>
+                                            </p:txEl>
+                                          </p:spTgt>
+                                        </p:tgtEl>
+                                        <p:attrNameLst>
+                                          <p:attrName>style.visibility</p:attrName>
+                                        </p:attrNameLst>
+                                      </p:cBhvr>
+                                      <p:to>
+                                        <p:strVal val="visible"/>
+                                      </p:to>
+                                    </p:set>
+                                  </p:childTnLst>
+                                </p:cTn>
+                              </p:par>
+                              <p:par>
+                                <p:cTn id="13" presetID="1" presetClass="entr" presetSubtype="0" fill="hold" grpId="0" nodeType="withEffect">
+                                  <p:stCondLst>
+                                    <p:cond delay="0"/>
+                                  </p:stCondLst>
+                                  <p:childTnLst>
+                                    <p:set>
+                                      <p:cBhvr>
+                                        <p:cTn id="14" dur="1" fill="hold">
+                                          <p:stCondLst>
+                                            <p:cond delay="0"/>
+                                          </p:stCondLst>
+                                        </p:cTn>
+                                        <p:tgtEl>
+                                          <p:spTgt spid="64">
+                                            <p:txEl>
+                                              <p:pRg st="4" end="4"/>
+                                            </p:txEl>
+                                          </p:spTgt>
+                                        </p:tgtEl>
+                                        <p:attrNameLst>
+                                          <p:attrName>style.visibility</p:attrName>
+                                        </p:attrNameLst>
+                                      </p:cBhvr>
+                                      <p:to>
+                                        <p:strVal val="visible"/>
+                                      </p:to>
+                                    </p:set>
+                                  </p:childTnLst>
+                                </p:cTn>
+                              </p:par>
+                            </p:childTnLst>
+                          </p:cTn>
+                        </p:par>
+                      </p:childTnLst>
+                    </p:cTn>
+                  </p:par>
+                  <p:par>
+                    <p:cTn id="15" fill="hold">
+                      <p:stCondLst>
+                        <p:cond delay="indefinite"/>
+                      </p:stCondLst>
+                      <p:childTnLst>
+                        <p:par>
+                          <p:cTn id="16" fill="hold">
+                            <p:stCondLst>
+                              <p:cond delay="0"/>
+                            </p:stCondLst>
+                            <p:childTnLst>
+                              <p:par>
+                                <p:cTn id="17" presetID="1" presetClass="entr" presetSubtype="0" fill="hold" grpId="0" nodeType="clickEffect">
+                                  <p:stCondLst>
+                                    <p:cond delay="0"/>
+                                  </p:stCondLst>
+                                  <p:childTnLst>
+                                    <p:set>
+                                      <p:cBhvr>
+                                        <p:cTn id="18" dur="1" fill="hold">
+                                          <p:stCondLst>
+                                            <p:cond delay="0"/>
+                                          </p:stCondLst>
+                                        </p:cTn>
+                                        <p:tgtEl>
+                                          <p:spTgt spid="64">
+                                            <p:txEl>
+                                              <p:pRg st="6" end="6"/>
+                                            </p:txEl>
+                                          </p:spTgt>
+                                        </p:tgtEl>
+                                        <p:attrNameLst>
+                                          <p:attrName>style.visibility</p:attrName>
+                                        </p:attrNameLst>
+                                      </p:cBhvr>
+                                      <p:to>
+                                        <p:strVal val="visible"/>
+                                      </p:to>
+                                    </p:set>
+                                  </p:childTnLst>
+                                </p:cTn>
+                              </p:par>
+                              <p:par>
+                                <p:cTn id="19" presetID="1" presetClass="entr" presetSubtype="0" fill="hold" grpId="0" nodeType="withEffect">
+                                  <p:stCondLst>
+                                    <p:cond delay="0"/>
+                                  </p:stCondLst>
+                                  <p:childTnLst>
+                                    <p:set>
+                                      <p:cBhvr>
+                                        <p:cTn id="20" dur="1" fill="hold">
+                                          <p:stCondLst>
+                                            <p:cond delay="0"/>
+                                          </p:stCondLst>
+                                        </p:cTn>
+                                        <p:tgtEl>
+                                          <p:spTgt spid="64">
+                                            <p:txEl>
+                                              <p:pRg st="7" end="7"/>
+                                            </p:txEl>
+                                          </p:spTgt>
+                                        </p:tgtEl>
+                                        <p:attrNameLst>
+                                          <p:attrName>style.visibility</p:attrName>
+                                        </p:attrNameLst>
+                                      </p:cBhvr>
+                                      <p:to>
+                                        <p:strVal val="visible"/>
+                                      </p:to>
+                                    </p:set>
+                                  </p:childTnLst>
+                                </p:cTn>
+                              </p:par>
+                            </p:childTnLst>
+                          </p:cTn>
+                        </p:par>
+                      </p:childTnLst>
+                    </p:cTn>
+                  </p:par>
+                </p:childTnLst>
+              </p:cTn>
+              <p:prevCondLst>
+                <p:cond evt="onPrev" delay="0">
+                  <p:tgtEl>
+                    <p:sldTgt/>
+                  </p:tgtEl>
+                </p:cond>
+              </p:prevCondLst>
+              <p:nextCondLst>
+                <p:cond evt="onNext" delay="0">
+                  <p:tgtEl>
+                    <p:sldTgt/>
+                  </p:tgtEl>
+                </p:cond>
+              </p:nextCondLst>
+            </p:seq>
+          </p:childTnLst>
+        </p:cTn>
+      </p:par>
+    </p:tnLst>
+    <p:bldLst>
+      <p:bldP spid="64" grpId="0" uiExpand="1" build="p"/>
+    </p:bldLst>
+  </p:timing>
+</p:sld>
+</file>
+
+<file path=ppt/slides/slide11.xml><?xml version="1.0" encoding="utf-8"?>
 <p:sld xmlns:a="http://schemas.openxmlformats.org/drawingml/2006/main" xmlns:r="http://schemas.openxmlformats.org/officeDocument/2006/relationships" xmlns:p="http://schemas.openxmlformats.org/presentationml/2006/main">
   <p:cSld>
     <p:spTree>
@@ -5447,7 +6227,7 @@
 </p:sld>
 </file>
 
-<file path=ppt/slides/slide11.xml><?xml version="1.0" encoding="utf-8"?>
+<file path=ppt/slides/slide12.xml><?xml version="1.0" encoding="utf-8"?>
 <p:sld xmlns:a="http://schemas.openxmlformats.org/drawingml/2006/main" xmlns:r="http://schemas.openxmlformats.org/officeDocument/2006/relationships" xmlns:p="http://schemas.openxmlformats.org/presentationml/2006/main">
   <p:cSld>
     <p:spTree>
@@ -6429,7 +7209,7 @@
 </p:sld>
 </file>
 
-<file path=ppt/slides/slide12.xml><?xml version="1.0" encoding="utf-8"?>
+<file path=ppt/slides/slide13.xml><?xml version="1.0" encoding="utf-8"?>
 <p:sld xmlns:a="http://schemas.openxmlformats.org/drawingml/2006/main" xmlns:r="http://schemas.openxmlformats.org/officeDocument/2006/relationships" xmlns:p="http://schemas.openxmlformats.org/presentationml/2006/main">
   <p:cSld>
     <p:spTree>
@@ -6494,7 +7274,7 @@
 </p:sld>
 </file>
 
-<file path=ppt/slides/slide13.xml><?xml version="1.0" encoding="utf-8"?>
+<file path=ppt/slides/slide14.xml><?xml version="1.0" encoding="utf-8"?>
 <p:sld xmlns:a="http://schemas.openxmlformats.org/drawingml/2006/main" xmlns:r="http://schemas.openxmlformats.org/officeDocument/2006/relationships" xmlns:p="http://schemas.openxmlformats.org/presentationml/2006/main">
   <p:cSld>
     <p:spTree>
@@ -6582,7 +7362,7 @@
 </p:sld>
 </file>
 
-<file path=ppt/slides/slide14.xml><?xml version="1.0" encoding="utf-8"?>
+<file path=ppt/slides/slide15.xml><?xml version="1.0" encoding="utf-8"?>
 <p:sld xmlns:a="http://schemas.openxmlformats.org/drawingml/2006/main" xmlns:r="http://schemas.openxmlformats.org/officeDocument/2006/relationships" xmlns:p="http://schemas.openxmlformats.org/presentationml/2006/main">
   <p:cSld>
     <p:spTree>
@@ -6853,7 +7633,7 @@
 </p:sld>
 </file>
 
-<file path=ppt/slides/slide15.xml><?xml version="1.0" encoding="utf-8"?>
+<file path=ppt/slides/slide16.xml><?xml version="1.0" encoding="utf-8"?>
 <p:sld xmlns:a="http://schemas.openxmlformats.org/drawingml/2006/main" xmlns:r="http://schemas.openxmlformats.org/officeDocument/2006/relationships" xmlns:p="http://schemas.openxmlformats.org/presentationml/2006/main">
   <p:cSld>
     <p:spTree>
@@ -8410,6 +9190,440 @@
 </p:sld>
 </file>
 
+<file path=ppt/slides/slide17.xml><?xml version="1.0" encoding="utf-8"?>
+<p:sld xmlns:a="http://schemas.openxmlformats.org/drawingml/2006/main" xmlns:r="http://schemas.openxmlformats.org/officeDocument/2006/relationships" xmlns:p="http://schemas.openxmlformats.org/presentationml/2006/main">
+  <p:cSld>
+    <p:spTree>
+      <p:nvGrpSpPr>
+        <p:cNvPr id="1" name=""/>
+        <p:cNvGrpSpPr/>
+        <p:nvPr/>
+      </p:nvGrpSpPr>
+      <p:grpSpPr>
+        <a:xfrm>
+          <a:off x="0" y="0"/>
+          <a:ext cx="0" cy="0"/>
+          <a:chOff x="0" y="0"/>
+          <a:chExt cx="0" cy="0"/>
+        </a:xfrm>
+      </p:grpSpPr>
+      <p:sp>
+        <p:nvSpPr>
+          <p:cNvPr id="2" name="Title 1">
+            <a:extLst>
+              <a:ext uri="{FF2B5EF4-FFF2-40B4-BE49-F238E27FC236}">
+                <a16:creationId xmlns:a16="http://schemas.microsoft.com/office/drawing/2014/main" id="{6BBC1E45-3D76-2645-9E27-A9FBFD8AB4D1}"/>
+              </a:ext>
+            </a:extLst>
+          </p:cNvPr>
+          <p:cNvSpPr>
+            <a:spLocks noGrp="1"/>
+          </p:cNvSpPr>
+          <p:nvPr>
+            <p:ph type="title"/>
+          </p:nvPr>
+        </p:nvSpPr>
+        <p:spPr/>
+        <p:txBody>
+          <a:bodyPr/>
+          <a:lstStyle/>
+          <a:p>
+            <a:r>
+              <a:rPr lang="en-US" dirty="0"/>
+              <a:t>Course Logistics</a:t>
+            </a:r>
+          </a:p>
+        </p:txBody>
+      </p:sp>
+      <p:sp>
+        <p:nvSpPr>
+          <p:cNvPr id="5" name="Content Placeholder 4">
+            <a:extLst>
+              <a:ext uri="{FF2B5EF4-FFF2-40B4-BE49-F238E27FC236}">
+                <a16:creationId xmlns:a16="http://schemas.microsoft.com/office/drawing/2014/main" id="{635A787E-BB47-0D44-83CC-D08D13618583}"/>
+              </a:ext>
+            </a:extLst>
+          </p:cNvPr>
+          <p:cNvSpPr>
+            <a:spLocks noGrp="1"/>
+          </p:cNvSpPr>
+          <p:nvPr>
+            <p:ph idx="1"/>
+          </p:nvPr>
+        </p:nvSpPr>
+        <p:spPr/>
+        <p:txBody>
+          <a:bodyPr/>
+          <a:lstStyle/>
+          <a:p>
+            <a:r>
+              <a:rPr lang="en-US" sz="2800" dirty="0"/>
+              <a:t>All class communication will be on Piazza</a:t>
+            </a:r>
+          </a:p>
+          <a:p>
+            <a:endParaRPr lang="en-US" sz="2800" dirty="0"/>
+          </a:p>
+          <a:p>
+            <a:r>
+              <a:rPr lang="en-US" sz="2800" dirty="0"/>
+              <a:t>Sign up at </a:t>
+            </a:r>
+            <a:r>
+              <a:rPr lang="en-US" sz="2800" dirty="0">
+                <a:hlinkClick r:id="rId2"/>
+              </a:rPr>
+              <a:t>piazza.com/sfu.ca/spring2020/cmpt825</a:t>
+            </a:r>
+            <a:endParaRPr lang="en-US" sz="2800" dirty="0"/>
+          </a:p>
+          <a:p>
+            <a:endParaRPr lang="en-US" sz="2800" dirty="0"/>
+          </a:p>
+          <a:p>
+            <a:r>
+              <a:rPr lang="en-US" sz="2800" dirty="0"/>
+              <a:t>Angel’s office hours:</a:t>
+            </a:r>
+            <a:br>
+              <a:rPr lang="en-US" sz="2800" dirty="0"/>
+            </a:br>
+            <a:r>
+              <a:rPr lang="en-US" sz="2800" dirty="0"/>
+              <a:t>Thu 9:30am to 10:30am TASC1 8031</a:t>
+            </a:r>
+          </a:p>
+          <a:p>
+            <a:endParaRPr lang="en-US" sz="2800" dirty="0"/>
+          </a:p>
+          <a:p>
+            <a:r>
+              <a:rPr lang="en-US" sz="2800" dirty="0"/>
+              <a:t>TA office hours: TBA this week</a:t>
+            </a:r>
+          </a:p>
+        </p:txBody>
+      </p:sp>
+    </p:spTree>
+    <p:extLst>
+      <p:ext uri="{BB962C8B-B14F-4D97-AF65-F5344CB8AC3E}">
+        <p14:creationId xmlns:p14="http://schemas.microsoft.com/office/powerpoint/2010/main" val="1828347868"/>
+      </p:ext>
+    </p:extLst>
+  </p:cSld>
+  <p:clrMapOvr>
+    <a:masterClrMapping/>
+  </p:clrMapOvr>
+</p:sld>
+</file>
+
+<file path=ppt/slides/slide18.xml><?xml version="1.0" encoding="utf-8"?>
+<p:sld xmlns:a="http://schemas.openxmlformats.org/drawingml/2006/main" xmlns:r="http://schemas.openxmlformats.org/officeDocument/2006/relationships" xmlns:p="http://schemas.openxmlformats.org/presentationml/2006/main">
+  <p:cSld>
+    <p:spTree>
+      <p:nvGrpSpPr>
+        <p:cNvPr id="1" name=""/>
+        <p:cNvGrpSpPr/>
+        <p:nvPr/>
+      </p:nvGrpSpPr>
+      <p:grpSpPr>
+        <a:xfrm>
+          <a:off x="0" y="0"/>
+          <a:ext cx="0" cy="0"/>
+          <a:chOff x="0" y="0"/>
+          <a:chExt cx="0" cy="0"/>
+        </a:xfrm>
+      </p:grpSpPr>
+      <p:sp>
+        <p:nvSpPr>
+          <p:cNvPr id="2" name="Title 1">
+            <a:extLst>
+              <a:ext uri="{FF2B5EF4-FFF2-40B4-BE49-F238E27FC236}">
+                <a16:creationId xmlns:a16="http://schemas.microsoft.com/office/drawing/2014/main" id="{8832617D-69C9-EC4E-AE97-D064350D3C41}"/>
+              </a:ext>
+            </a:extLst>
+          </p:cNvPr>
+          <p:cNvSpPr>
+            <a:spLocks noGrp="1"/>
+          </p:cNvSpPr>
+          <p:nvPr>
+            <p:ph type="title"/>
+          </p:nvPr>
+        </p:nvSpPr>
+        <p:spPr/>
+        <p:txBody>
+          <a:bodyPr/>
+          <a:lstStyle/>
+          <a:p>
+            <a:r>
+              <a:rPr lang="en-US" dirty="0"/>
+              <a:t>Course Logistics</a:t>
+            </a:r>
+          </a:p>
+        </p:txBody>
+      </p:sp>
+      <p:sp>
+        <p:nvSpPr>
+          <p:cNvPr id="3" name="Content Placeholder 2">
+            <a:extLst>
+              <a:ext uri="{FF2B5EF4-FFF2-40B4-BE49-F238E27FC236}">
+                <a16:creationId xmlns:a16="http://schemas.microsoft.com/office/drawing/2014/main" id="{6729508F-2420-C540-A146-8A33B8A4E7A1}"/>
+              </a:ext>
+            </a:extLst>
+          </p:cNvPr>
+          <p:cNvSpPr>
+            <a:spLocks noGrp="1"/>
+          </p:cNvSpPr>
+          <p:nvPr>
+            <p:ph idx="1"/>
+          </p:nvPr>
+        </p:nvSpPr>
+        <p:spPr>
+          <a:xfrm>
+            <a:off x="685800" y="1752600"/>
+            <a:ext cx="7772400" cy="4114800"/>
+          </a:xfrm>
+        </p:spPr>
+        <p:txBody>
+          <a:bodyPr/>
+          <a:lstStyle/>
+          <a:p>
+            <a:r>
+              <a:rPr lang="en-US" sz="2400" dirty="0"/>
+              <a:t>Prerequisites</a:t>
+            </a:r>
+          </a:p>
+          <a:p>
+            <a:pPr lvl="1"/>
+            <a:r>
+              <a:rPr lang="en-US" sz="2000" dirty="0"/>
+              <a:t>Experience with python </a:t>
+            </a:r>
+          </a:p>
+          <a:p>
+            <a:pPr lvl="1"/>
+            <a:r>
+              <a:rPr lang="en-US" sz="2000" dirty="0"/>
+              <a:t>Familiarity with machine learning</a:t>
+            </a:r>
+          </a:p>
+          <a:p>
+            <a:pPr lvl="1"/>
+            <a:r>
+              <a:rPr lang="en-US" sz="2000" dirty="0"/>
+              <a:t>Math fundamentals: probability, statistics, linear algebra, calculus</a:t>
+            </a:r>
+          </a:p>
+          <a:p>
+            <a:r>
+              <a:rPr lang="en-US" sz="2400" dirty="0"/>
+              <a:t>There is no official textbook for the course, but if you would like to read further about NLP, here are some good reference books:</a:t>
+            </a:r>
+          </a:p>
+          <a:p>
+            <a:pPr lvl="1"/>
+            <a:r>
+              <a:rPr lang="en-US" sz="2000" dirty="0">
+                <a:hlinkClick r:id="rId2"/>
+              </a:rPr>
+              <a:t>Neural Network methods for Natural Language Processing</a:t>
+            </a:r>
+            <a:r>
+              <a:rPr lang="en-US" sz="2000" dirty="0"/>
+              <a:t> by Yoav Goldberg.</a:t>
+            </a:r>
+          </a:p>
+          <a:p>
+            <a:pPr lvl="1"/>
+            <a:r>
+              <a:rPr lang="en-US" sz="2000" dirty="0">
+                <a:hlinkClick r:id="rId3"/>
+              </a:rPr>
+              <a:t>Speech and Language Processing</a:t>
+            </a:r>
+            <a:r>
+              <a:rPr lang="en-US" sz="2000" dirty="0"/>
+              <a:t> by </a:t>
+            </a:r>
+            <a:r>
+              <a:rPr lang="en-US" sz="2000" dirty="0">
+                <a:hlinkClick r:id="rId4"/>
+              </a:rPr>
+              <a:t>Daniel Jurafsky</a:t>
+            </a:r>
+            <a:r>
+              <a:rPr lang="en-US" sz="2000" dirty="0"/>
+              <a:t> and </a:t>
+            </a:r>
+            <a:r>
+              <a:rPr lang="en-US" sz="2000" dirty="0">
+                <a:hlinkClick r:id="rId5"/>
+              </a:rPr>
+              <a:t>James Martin</a:t>
+            </a:r>
+            <a:endParaRPr lang="en-US" sz="2000" dirty="0"/>
+          </a:p>
+          <a:p>
+            <a:endParaRPr lang="en-US" sz="2400" dirty="0"/>
+          </a:p>
+        </p:txBody>
+      </p:sp>
+    </p:spTree>
+    <p:extLst>
+      <p:ext uri="{BB962C8B-B14F-4D97-AF65-F5344CB8AC3E}">
+        <p14:creationId xmlns:p14="http://schemas.microsoft.com/office/powerpoint/2010/main" val="2574863727"/>
+      </p:ext>
+    </p:extLst>
+  </p:cSld>
+  <p:clrMapOvr>
+    <a:masterClrMapping/>
+  </p:clrMapOvr>
+</p:sld>
+</file>
+
+<file path=ppt/slides/slide19.xml><?xml version="1.0" encoding="utf-8"?>
+<p:sld xmlns:a="http://schemas.openxmlformats.org/drawingml/2006/main" xmlns:r="http://schemas.openxmlformats.org/officeDocument/2006/relationships" xmlns:p="http://schemas.openxmlformats.org/presentationml/2006/main">
+  <p:cSld>
+    <p:spTree>
+      <p:nvGrpSpPr>
+        <p:cNvPr id="1" name=""/>
+        <p:cNvGrpSpPr/>
+        <p:nvPr/>
+      </p:nvGrpSpPr>
+      <p:grpSpPr>
+        <a:xfrm>
+          <a:off x="0" y="0"/>
+          <a:ext cx="0" cy="0"/>
+          <a:chOff x="0" y="0"/>
+          <a:chExt cx="0" cy="0"/>
+        </a:xfrm>
+      </p:grpSpPr>
+      <p:sp>
+        <p:nvSpPr>
+          <p:cNvPr id="2" name="Title 1">
+            <a:extLst>
+              <a:ext uri="{FF2B5EF4-FFF2-40B4-BE49-F238E27FC236}">
+                <a16:creationId xmlns:a16="http://schemas.microsoft.com/office/drawing/2014/main" id="{CECF6DFD-309A-9D47-BBFC-959E40D21921}"/>
+              </a:ext>
+            </a:extLst>
+          </p:cNvPr>
+          <p:cNvSpPr>
+            <a:spLocks noGrp="1"/>
+          </p:cNvSpPr>
+          <p:nvPr>
+            <p:ph type="title"/>
+          </p:nvPr>
+        </p:nvSpPr>
+        <p:spPr>
+          <a:xfrm>
+            <a:off x="685800" y="332656"/>
+            <a:ext cx="7772400" cy="1143000"/>
+          </a:xfrm>
+        </p:spPr>
+        <p:txBody>
+          <a:bodyPr/>
+          <a:lstStyle/>
+          <a:p>
+            <a:r>
+              <a:rPr lang="en-US" dirty="0"/>
+              <a:t>Course Grading</a:t>
+            </a:r>
+          </a:p>
+        </p:txBody>
+      </p:sp>
+      <p:sp>
+        <p:nvSpPr>
+          <p:cNvPr id="3" name="Content Placeholder 2">
+            <a:extLst>
+              <a:ext uri="{FF2B5EF4-FFF2-40B4-BE49-F238E27FC236}">
+                <a16:creationId xmlns:a16="http://schemas.microsoft.com/office/drawing/2014/main" id="{FA87A109-E4A3-3C43-A4A3-506CAC386AB4}"/>
+              </a:ext>
+            </a:extLst>
+          </p:cNvPr>
+          <p:cNvSpPr>
+            <a:spLocks noGrp="1"/>
+          </p:cNvSpPr>
+          <p:nvPr>
+            <p:ph idx="1"/>
+          </p:nvPr>
+        </p:nvSpPr>
+        <p:spPr>
+          <a:xfrm>
+            <a:off x="685800" y="1628800"/>
+            <a:ext cx="7772400" cy="4114800"/>
+          </a:xfrm>
+        </p:spPr>
+        <p:txBody>
+          <a:bodyPr/>
+          <a:lstStyle/>
+          <a:p>
+            <a:r>
+              <a:rPr lang="en-US" sz="2400" dirty="0"/>
+              <a:t>Programming setup homework: HW0 due on Jan 16, 2020 (2%)</a:t>
+            </a:r>
+          </a:p>
+          <a:p>
+            <a:r>
+              <a:rPr lang="en-US" sz="2400" dirty="0"/>
+              <a:t>Four programming </a:t>
+            </a:r>
+            <a:r>
+              <a:rPr lang="en-US" sz="2400" dirty="0" err="1"/>
+              <a:t>homeworks</a:t>
+            </a:r>
+            <a:r>
+              <a:rPr lang="en-US" sz="2400" dirty="0"/>
+              <a:t>. Due dates: HW1 on Jan 30, 2020, HW2 on Feb 13, 2020, HW3 on Mar 5, 2020, HW4 on Mar 19, 2020 (10% each)</a:t>
+            </a:r>
+          </a:p>
+          <a:p>
+            <a:r>
+              <a:rPr lang="en-US" sz="2400" dirty="0"/>
+              <a:t>In class midterm: Feb 20, 2020 (25%)</a:t>
+            </a:r>
+          </a:p>
+          <a:p>
+            <a:r>
+              <a:rPr lang="en-US" sz="2400" dirty="0"/>
+              <a:t>Participation: Helping other students on the discussion board in a positive way (5%)</a:t>
+            </a:r>
+          </a:p>
+          <a:p>
+            <a:r>
+              <a:rPr lang="en-US" sz="2400" dirty="0"/>
+              <a:t>Final Project Proposal: Due on Mar 12, 2020 (5%)</a:t>
+            </a:r>
+          </a:p>
+          <a:p>
+            <a:r>
+              <a:rPr lang="en-US" sz="2400" dirty="0"/>
+              <a:t>Final Project Milestone: Due on Mar 26, 2020 (5%)</a:t>
+            </a:r>
+          </a:p>
+          <a:p>
+            <a:r>
+              <a:rPr lang="en-US" sz="2400" dirty="0"/>
+              <a:t>Final Project: Due on Apr 14, 2020 (18%)</a:t>
+            </a:r>
+          </a:p>
+          <a:p>
+            <a:endParaRPr lang="en-US" sz="2400" dirty="0"/>
+          </a:p>
+        </p:txBody>
+      </p:sp>
+    </p:spTree>
+    <p:extLst>
+      <p:ext uri="{BB962C8B-B14F-4D97-AF65-F5344CB8AC3E}">
+        <p14:creationId xmlns:p14="http://schemas.microsoft.com/office/powerpoint/2010/main" val="1044661238"/>
+      </p:ext>
+    </p:extLst>
+  </p:cSld>
+  <p:clrMapOvr>
+    <a:masterClrMapping/>
+  </p:clrMapOvr>
+</p:sld>
+</file>
+
 <file path=ppt/slides/slide2.xml><?xml version="1.0" encoding="utf-8"?>
 <p:sld xmlns:a="http://schemas.openxmlformats.org/drawingml/2006/main" xmlns:r="http://schemas.openxmlformats.org/officeDocument/2006/relationships" xmlns:p="http://schemas.openxmlformats.org/presentationml/2006/main">
   <p:cSld>
@@ -9184,6 +10398,111 @@
       <p:bldP spid="5" grpId="0" uiExpand="1" build="p"/>
     </p:bldLst>
   </p:timing>
+</p:sld>
+</file>
+
+<file path=ppt/slides/slide20.xml><?xml version="1.0" encoding="utf-8"?>
+<p:sld xmlns:a="http://schemas.openxmlformats.org/drawingml/2006/main" xmlns:r="http://schemas.openxmlformats.org/officeDocument/2006/relationships" xmlns:p="http://schemas.openxmlformats.org/presentationml/2006/main">
+  <p:cSld>
+    <p:spTree>
+      <p:nvGrpSpPr>
+        <p:cNvPr id="1" name=""/>
+        <p:cNvGrpSpPr/>
+        <p:nvPr/>
+      </p:nvGrpSpPr>
+      <p:grpSpPr>
+        <a:xfrm>
+          <a:off x="0" y="0"/>
+          <a:ext cx="0" cy="0"/>
+          <a:chOff x="0" y="0"/>
+          <a:chExt cx="0" cy="0"/>
+        </a:xfrm>
+      </p:grpSpPr>
+      <p:sp>
+        <p:nvSpPr>
+          <p:cNvPr id="2" name="Title 1">
+            <a:extLst>
+              <a:ext uri="{FF2B5EF4-FFF2-40B4-BE49-F238E27FC236}">
+                <a16:creationId xmlns:a16="http://schemas.microsoft.com/office/drawing/2014/main" id="{DA45208A-83CD-9241-95A7-447E2A66BE73}"/>
+              </a:ext>
+            </a:extLst>
+          </p:cNvPr>
+          <p:cNvSpPr>
+            <a:spLocks noGrp="1"/>
+          </p:cNvSpPr>
+          <p:nvPr>
+            <p:ph type="title"/>
+          </p:nvPr>
+        </p:nvSpPr>
+        <p:spPr/>
+        <p:txBody>
+          <a:bodyPr/>
+          <a:lstStyle/>
+          <a:p>
+            <a:r>
+              <a:rPr lang="en-US" dirty="0"/>
+              <a:t>Next time</a:t>
+            </a:r>
+          </a:p>
+        </p:txBody>
+      </p:sp>
+      <p:sp>
+        <p:nvSpPr>
+          <p:cNvPr id="3" name="Content Placeholder 2">
+            <a:extLst>
+              <a:ext uri="{FF2B5EF4-FFF2-40B4-BE49-F238E27FC236}">
+                <a16:creationId xmlns:a16="http://schemas.microsoft.com/office/drawing/2014/main" id="{8CD46EF1-4E4E-FA4C-B96C-0A684AA01509}"/>
+              </a:ext>
+            </a:extLst>
+          </p:cNvPr>
+          <p:cNvSpPr>
+            <a:spLocks noGrp="1"/>
+          </p:cNvSpPr>
+          <p:nvPr>
+            <p:ph idx="1"/>
+          </p:nvPr>
+        </p:nvSpPr>
+        <p:spPr/>
+        <p:txBody>
+          <a:bodyPr/>
+          <a:lstStyle/>
+          <a:p>
+            <a:r>
+              <a:rPr lang="en-US" dirty="0"/>
+              <a:t>Lecture on NLP tasks</a:t>
+            </a:r>
+          </a:p>
+          <a:p>
+            <a:endParaRPr lang="en-US" dirty="0"/>
+          </a:p>
+          <a:p>
+            <a:r>
+              <a:rPr lang="en-US" dirty="0"/>
+              <a:t>Before next time: make sure you sign up on piazza: </a:t>
+            </a:r>
+            <a:r>
+              <a:rPr lang="en-US" dirty="0">
+                <a:hlinkClick r:id="rId2"/>
+              </a:rPr>
+              <a:t>piazza.com/sfu.ca/spring2020/cmpt825</a:t>
+            </a:r>
+            <a:endParaRPr lang="en-US" dirty="0"/>
+          </a:p>
+          <a:p>
+            <a:endParaRPr lang="en-US" dirty="0"/>
+          </a:p>
+        </p:txBody>
+      </p:sp>
+    </p:spTree>
+    <p:extLst>
+      <p:ext uri="{BB962C8B-B14F-4D97-AF65-F5344CB8AC3E}">
+        <p14:creationId xmlns:p14="http://schemas.microsoft.com/office/powerpoint/2010/main" val="1402579120"/>
+      </p:ext>
+    </p:extLst>
+  </p:cSld>
+  <p:clrMapOvr>
+    <a:masterClrMapping/>
+  </p:clrMapOvr>
 </p:sld>
 </file>
 
@@ -10770,7 +12089,7 @@
             <a:fld id="{C098D8E1-DAFC-6B4C-BA39-E866ED6460A8}" type="datetime1">
               <a:rPr lang="en-US"/>
               <a:pPr/>
-              <a:t>9/3/19</a:t>
+              <a:t>1/6/20</a:t>
             </a:fld>
             <a:endParaRPr lang="en-US"/>
           </a:p>
@@ -11478,6 +12797,464 @@
       </p:grpSpPr>
       <p:sp>
         <p:nvSpPr>
+          <p:cNvPr id="4" name="Date Placeholder 3"/>
+          <p:cNvSpPr>
+            <a:spLocks noGrp="1"/>
+          </p:cNvSpPr>
+          <p:nvPr>
+            <p:ph type="dt" sz="half" idx="10"/>
+          </p:nvPr>
+        </p:nvSpPr>
+        <p:spPr/>
+        <p:txBody>
+          <a:bodyPr/>
+          <a:lstStyle/>
+          <a:p>
+            <a:fld id="{C098D8E1-DAFC-6B4C-BA39-E866ED6460A8}" type="datetime1">
+              <a:rPr lang="en-US"/>
+              <a:pPr/>
+              <a:t>1/6/20</a:t>
+            </a:fld>
+            <a:endParaRPr lang="en-US"/>
+          </a:p>
+        </p:txBody>
+      </p:sp>
+      <p:sp>
+        <p:nvSpPr>
+          <p:cNvPr id="5" name="Slide Number Placeholder 5"/>
+          <p:cNvSpPr>
+            <a:spLocks noGrp="1"/>
+          </p:cNvSpPr>
+          <p:nvPr>
+            <p:ph type="sldNum" sz="quarter" idx="12"/>
+          </p:nvPr>
+        </p:nvSpPr>
+        <p:spPr/>
+        <p:txBody>
+          <a:bodyPr/>
+          <a:lstStyle/>
+          <a:p>
+            <a:fld id="{7012920E-1EE0-7742-91D5-A070B11C602D}" type="slidenum">
+              <a:rPr lang="en-US"/>
+              <a:pPr/>
+              <a:t>6</a:t>
+            </a:fld>
+            <a:endParaRPr lang="en-US"/>
+          </a:p>
+        </p:txBody>
+      </p:sp>
+      <p:sp>
+        <p:nvSpPr>
+          <p:cNvPr id="23554" name="Rectangle 2"/>
+          <p:cNvSpPr>
+            <a:spLocks noGrp="1" noChangeArrowheads="1"/>
+          </p:cNvSpPr>
+          <p:nvPr>
+            <p:ph type="title"/>
+          </p:nvPr>
+        </p:nvSpPr>
+        <p:spPr/>
+        <p:txBody>
+          <a:bodyPr/>
+          <a:lstStyle/>
+          <a:p>
+            <a:r>
+              <a:rPr lang="en-US" dirty="0"/>
+              <a:t>Language is diverse</a:t>
+            </a:r>
+          </a:p>
+        </p:txBody>
+      </p:sp>
+      <p:sp>
+        <p:nvSpPr>
+          <p:cNvPr id="23555" name="Rectangle 3"/>
+          <p:cNvSpPr>
+            <a:spLocks noGrp="1" noChangeArrowheads="1"/>
+          </p:cNvSpPr>
+          <p:nvPr>
+            <p:ph type="body" idx="1"/>
+          </p:nvPr>
+        </p:nvSpPr>
+        <p:spPr/>
+        <p:txBody>
+          <a:bodyPr/>
+          <a:lstStyle/>
+          <a:p>
+            <a:pPr>
+              <a:lnSpc>
+                <a:spcPct val="90000"/>
+              </a:lnSpc>
+            </a:pPr>
+            <a:r>
+              <a:rPr lang="en-US" sz="2800" dirty="0"/>
+              <a:t>Many ways of saying the same thing</a:t>
+            </a:r>
+          </a:p>
+          <a:p>
+            <a:pPr lvl="1">
+              <a:lnSpc>
+                <a:spcPct val="90000"/>
+              </a:lnSpc>
+            </a:pPr>
+            <a:r>
+              <a:rPr lang="en-US" sz="2000" dirty="0"/>
+              <a:t>“Siri, play music”, “Siri, please play a song”, … </a:t>
+            </a:r>
+          </a:p>
+          <a:p>
+            <a:pPr>
+              <a:lnSpc>
+                <a:spcPct val="90000"/>
+              </a:lnSpc>
+            </a:pPr>
+            <a:endParaRPr lang="en-US" sz="2800" dirty="0"/>
+          </a:p>
+          <a:p>
+            <a:pPr>
+              <a:lnSpc>
+                <a:spcPct val="90000"/>
+              </a:lnSpc>
+            </a:pPr>
+            <a:r>
+              <a:rPr lang="en-US" sz="2800" dirty="0"/>
+              <a:t>Both at word and sentence level</a:t>
+            </a:r>
+          </a:p>
+          <a:p>
+            <a:pPr lvl="1">
+              <a:lnSpc>
+                <a:spcPct val="90000"/>
+              </a:lnSpc>
+            </a:pPr>
+            <a:r>
+              <a:rPr lang="en-US" sz="2400" dirty="0"/>
+              <a:t>“music” vs “song” vs “tune”</a:t>
+            </a:r>
+          </a:p>
+          <a:p>
+            <a:pPr lvl="1">
+              <a:lnSpc>
+                <a:spcPct val="90000"/>
+              </a:lnSpc>
+            </a:pPr>
+            <a:r>
+              <a:rPr lang="en-US" sz="2400" dirty="0"/>
+              <a:t>“play something nice”</a:t>
+            </a:r>
+            <a:endParaRPr lang="en-US" sz="2800" dirty="0"/>
+          </a:p>
+        </p:txBody>
+      </p:sp>
+    </p:spTree>
+    <p:extLst>
+      <p:ext uri="{BB962C8B-B14F-4D97-AF65-F5344CB8AC3E}">
+        <p14:creationId xmlns:p14="http://schemas.microsoft.com/office/powerpoint/2010/main" val="200899784"/>
+      </p:ext>
+    </p:extLst>
+  </p:cSld>
+  <p:clrMapOvr>
+    <a:masterClrMapping/>
+  </p:clrMapOvr>
+  <p:timing>
+    <p:tnLst>
+      <p:par>
+        <p:cTn id="1" dur="indefinite" restart="never" nodeType="tmRoot">
+          <p:childTnLst>
+            <p:seq concurrent="1" nextAc="seek">
+              <p:cTn id="2" dur="indefinite" nodeType="mainSeq">
+                <p:childTnLst>
+                  <p:par>
+                    <p:cTn id="3" fill="hold">
+                      <p:stCondLst>
+                        <p:cond delay="indefinite"/>
+                      </p:stCondLst>
+                      <p:childTnLst>
+                        <p:par>
+                          <p:cTn id="4" fill="hold">
+                            <p:stCondLst>
+                              <p:cond delay="0"/>
+                            </p:stCondLst>
+                            <p:childTnLst>
+                              <p:par>
+                                <p:cTn id="5" presetID="1" presetClass="entr" presetSubtype="0" fill="hold" grpId="0" nodeType="clickEffect">
+                                  <p:stCondLst>
+                                    <p:cond delay="0"/>
+                                  </p:stCondLst>
+                                  <p:childTnLst>
+                                    <p:set>
+                                      <p:cBhvr>
+                                        <p:cTn id="6" dur="1" fill="hold">
+                                          <p:stCondLst>
+                                            <p:cond delay="499"/>
+                                          </p:stCondLst>
+                                        </p:cTn>
+                                        <p:tgtEl>
+                                          <p:spTgt spid="23555">
+                                            <p:txEl>
+                                              <p:pRg st="0" end="0"/>
+                                            </p:txEl>
+                                          </p:spTgt>
+                                        </p:tgtEl>
+                                        <p:attrNameLst>
+                                          <p:attrName>style.visibility</p:attrName>
+                                        </p:attrNameLst>
+                                      </p:cBhvr>
+                                      <p:to>
+                                        <p:strVal val="visible"/>
+                                      </p:to>
+                                    </p:set>
+                                  </p:childTnLst>
+                                </p:cTn>
+                              </p:par>
+                            </p:childTnLst>
+                          </p:cTn>
+                        </p:par>
+                      </p:childTnLst>
+                    </p:cTn>
+                  </p:par>
+                  <p:par>
+                    <p:cTn id="7" fill="hold">
+                      <p:stCondLst>
+                        <p:cond delay="indefinite"/>
+                      </p:stCondLst>
+                      <p:childTnLst>
+                        <p:par>
+                          <p:cTn id="8" fill="hold">
+                            <p:stCondLst>
+                              <p:cond delay="0"/>
+                            </p:stCondLst>
+                            <p:childTnLst>
+                              <p:par>
+                                <p:cTn id="9" presetID="1" presetClass="entr" presetSubtype="0" fill="hold" grpId="0" nodeType="clickEffect">
+                                  <p:stCondLst>
+                                    <p:cond delay="0"/>
+                                  </p:stCondLst>
+                                  <p:childTnLst>
+                                    <p:set>
+                                      <p:cBhvr>
+                                        <p:cTn id="10" dur="1" fill="hold">
+                                          <p:stCondLst>
+                                            <p:cond delay="499"/>
+                                          </p:stCondLst>
+                                        </p:cTn>
+                                        <p:tgtEl>
+                                          <p:spTgt spid="23555">
+                                            <p:txEl>
+                                              <p:pRg st="1" end="1"/>
+                                            </p:txEl>
+                                          </p:spTgt>
+                                        </p:tgtEl>
+                                        <p:attrNameLst>
+                                          <p:attrName>style.visibility</p:attrName>
+                                        </p:attrNameLst>
+                                      </p:cBhvr>
+                                      <p:to>
+                                        <p:strVal val="visible"/>
+                                      </p:to>
+                                    </p:set>
+                                  </p:childTnLst>
+                                </p:cTn>
+                              </p:par>
+                            </p:childTnLst>
+                          </p:cTn>
+                        </p:par>
+                      </p:childTnLst>
+                    </p:cTn>
+                  </p:par>
+                  <p:par>
+                    <p:cTn id="11" fill="hold">
+                      <p:stCondLst>
+                        <p:cond delay="indefinite"/>
+                      </p:stCondLst>
+                      <p:childTnLst>
+                        <p:par>
+                          <p:cTn id="12" fill="hold">
+                            <p:stCondLst>
+                              <p:cond delay="0"/>
+                            </p:stCondLst>
+                            <p:childTnLst>
+                              <p:par>
+                                <p:cTn id="13" presetID="1" presetClass="entr" presetSubtype="0" fill="hold" grpId="0" nodeType="clickEffect">
+                                  <p:stCondLst>
+                                    <p:cond delay="0"/>
+                                  </p:stCondLst>
+                                  <p:childTnLst>
+                                    <p:set>
+                                      <p:cBhvr>
+                                        <p:cTn id="14" dur="1" fill="hold">
+                                          <p:stCondLst>
+                                            <p:cond delay="499"/>
+                                          </p:stCondLst>
+                                        </p:cTn>
+                                        <p:tgtEl>
+                                          <p:spTgt spid="23555">
+                                            <p:txEl>
+                                              <p:pRg st="3" end="3"/>
+                                            </p:txEl>
+                                          </p:spTgt>
+                                        </p:tgtEl>
+                                        <p:attrNameLst>
+                                          <p:attrName>style.visibility</p:attrName>
+                                        </p:attrNameLst>
+                                      </p:cBhvr>
+                                      <p:to>
+                                        <p:strVal val="visible"/>
+                                      </p:to>
+                                    </p:set>
+                                  </p:childTnLst>
+                                </p:cTn>
+                              </p:par>
+                            </p:childTnLst>
+                          </p:cTn>
+                        </p:par>
+                      </p:childTnLst>
+                    </p:cTn>
+                  </p:par>
+                  <p:par>
+                    <p:cTn id="15" fill="hold">
+                      <p:stCondLst>
+                        <p:cond delay="indefinite"/>
+                      </p:stCondLst>
+                      <p:childTnLst>
+                        <p:par>
+                          <p:cTn id="16" fill="hold">
+                            <p:stCondLst>
+                              <p:cond delay="0"/>
+                            </p:stCondLst>
+                            <p:childTnLst>
+                              <p:par>
+                                <p:cTn id="17" presetID="1" presetClass="entr" presetSubtype="0" fill="hold" grpId="0" nodeType="clickEffect">
+                                  <p:stCondLst>
+                                    <p:cond delay="0"/>
+                                  </p:stCondLst>
+                                  <p:childTnLst>
+                                    <p:set>
+                                      <p:cBhvr>
+                                        <p:cTn id="18" dur="1" fill="hold">
+                                          <p:stCondLst>
+                                            <p:cond delay="499"/>
+                                          </p:stCondLst>
+                                        </p:cTn>
+                                        <p:tgtEl>
+                                          <p:spTgt spid="23555">
+                                            <p:txEl>
+                                              <p:pRg st="4" end="4"/>
+                                            </p:txEl>
+                                          </p:spTgt>
+                                        </p:tgtEl>
+                                        <p:attrNameLst>
+                                          <p:attrName>style.visibility</p:attrName>
+                                        </p:attrNameLst>
+                                      </p:cBhvr>
+                                      <p:to>
+                                        <p:strVal val="visible"/>
+                                      </p:to>
+                                    </p:set>
+                                  </p:childTnLst>
+                                </p:cTn>
+                              </p:par>
+                            </p:childTnLst>
+                          </p:cTn>
+                        </p:par>
+                      </p:childTnLst>
+                    </p:cTn>
+                  </p:par>
+                  <p:par>
+                    <p:cTn id="19" fill="hold">
+                      <p:stCondLst>
+                        <p:cond delay="indefinite"/>
+                      </p:stCondLst>
+                      <p:childTnLst>
+                        <p:par>
+                          <p:cTn id="20" fill="hold">
+                            <p:stCondLst>
+                              <p:cond delay="0"/>
+                            </p:stCondLst>
+                            <p:childTnLst>
+                              <p:par>
+                                <p:cTn id="21" presetID="1" presetClass="entr" presetSubtype="0" fill="hold" grpId="0" nodeType="clickEffect">
+                                  <p:stCondLst>
+                                    <p:cond delay="0"/>
+                                  </p:stCondLst>
+                                  <p:childTnLst>
+                                    <p:set>
+                                      <p:cBhvr>
+                                        <p:cTn id="22" dur="1" fill="hold">
+                                          <p:stCondLst>
+                                            <p:cond delay="499"/>
+                                          </p:stCondLst>
+                                        </p:cTn>
+                                        <p:tgtEl>
+                                          <p:spTgt spid="23555">
+                                            <p:txEl>
+                                              <p:pRg st="5" end="5"/>
+                                            </p:txEl>
+                                          </p:spTgt>
+                                        </p:tgtEl>
+                                        <p:attrNameLst>
+                                          <p:attrName>style.visibility</p:attrName>
+                                        </p:attrNameLst>
+                                      </p:cBhvr>
+                                      <p:to>
+                                        <p:strVal val="visible"/>
+                                      </p:to>
+                                    </p:set>
+                                  </p:childTnLst>
+                                </p:cTn>
+                              </p:par>
+                            </p:childTnLst>
+                          </p:cTn>
+                        </p:par>
+                      </p:childTnLst>
+                    </p:cTn>
+                  </p:par>
+                </p:childTnLst>
+              </p:cTn>
+              <p:prevCondLst>
+                <p:cond evt="onPrev" delay="0">
+                  <p:tgtEl>
+                    <p:sldTgt/>
+                  </p:tgtEl>
+                </p:cond>
+              </p:prevCondLst>
+              <p:nextCondLst>
+                <p:cond evt="onNext" delay="0">
+                  <p:tgtEl>
+                    <p:sldTgt/>
+                  </p:tgtEl>
+                </p:cond>
+              </p:nextCondLst>
+            </p:seq>
+          </p:childTnLst>
+        </p:cTn>
+      </p:par>
+    </p:tnLst>
+    <p:bldLst>
+      <p:bldP spid="23555" grpId="0" build="p" bldLvl="2" autoUpdateAnimBg="0"/>
+    </p:bldLst>
+  </p:timing>
+</p:sld>
+</file>
+
+<file path=ppt/slides/slide7.xml><?xml version="1.0" encoding="utf-8"?>
+<p:sld xmlns:a="http://schemas.openxmlformats.org/drawingml/2006/main" xmlns:r="http://schemas.openxmlformats.org/officeDocument/2006/relationships" xmlns:p="http://schemas.openxmlformats.org/presentationml/2006/main" show="0">
+  <p:cSld>
+    <p:spTree>
+      <p:nvGrpSpPr>
+        <p:cNvPr id="1" name=""/>
+        <p:cNvGrpSpPr/>
+        <p:nvPr/>
+      </p:nvGrpSpPr>
+      <p:grpSpPr>
+        <a:xfrm>
+          <a:off x="0" y="0"/>
+          <a:ext cx="0" cy="0"/>
+          <a:chOff x="0" y="0"/>
+          <a:chExt cx="0" cy="0"/>
+        </a:xfrm>
+      </p:grpSpPr>
+      <p:sp>
+        <p:nvSpPr>
           <p:cNvPr id="2" name="Title 1"/>
           <p:cNvSpPr>
             <a:spLocks noGrp="1"/>
@@ -11583,7 +13360,7 @@
             <a:fld id="{823C2DDD-1D57-4740-AA8D-9D26301EFBF1}" type="datetime1">
               <a:rPr lang="en-US" smtClean="0"/>
               <a:pPr/>
-              <a:t>9/3/19</a:t>
+              <a:t>1/6/20</a:t>
             </a:fld>
             <a:endParaRPr lang="en-US"/>
           </a:p>
@@ -11607,7 +13384,7 @@
             <a:fld id="{440EE75F-3115-104D-88D8-7BBA1797911E}" type="slidenum">
               <a:rPr lang="en-US" smtClean="0"/>
               <a:pPr/>
-              <a:t>6</a:t>
+              <a:t>7</a:t>
             </a:fld>
             <a:endParaRPr lang="en-US"/>
           </a:p>
@@ -11649,6 +13426,36 @@
           </a:p>
         </p:txBody>
       </p:sp>
+      <p:pic>
+        <p:nvPicPr>
+          <p:cNvPr id="7" name="Picture 6">
+            <a:extLst>
+              <a:ext uri="{FF2B5EF4-FFF2-40B4-BE49-F238E27FC236}">
+                <a16:creationId xmlns:a16="http://schemas.microsoft.com/office/drawing/2014/main" id="{BF146BB7-0360-9A4C-81F6-E2F037BA5EF4}"/>
+              </a:ext>
+            </a:extLst>
+          </p:cNvPr>
+          <p:cNvPicPr>
+            <a:picLocks noChangeAspect="1"/>
+          </p:cNvPicPr>
+          <p:nvPr/>
+        </p:nvPicPr>
+        <p:blipFill>
+          <a:blip r:embed="rId3"/>
+          <a:stretch>
+            <a:fillRect/>
+          </a:stretch>
+        </p:blipFill>
+        <p:spPr>
+          <a:xfrm>
+            <a:off x="0" y="0"/>
+            <a:ext cx="9144000" cy="6858000"/>
+          </a:xfrm>
+          <a:prstGeom prst="rect">
+            <a:avLst/>
+          </a:prstGeom>
+        </p:spPr>
+      </p:pic>
     </p:spTree>
     <p:extLst>
       <p:ext uri="{BB962C8B-B14F-4D97-AF65-F5344CB8AC3E}">
@@ -11935,7 +13742,7 @@
 </p:sld>
 </file>
 
-<file path=ppt/slides/slide7.xml><?xml version="1.0" encoding="utf-8"?>
+<file path=ppt/slides/slide8.xml><?xml version="1.0" encoding="utf-8"?>
 <p:sld xmlns:a="http://schemas.openxmlformats.org/drawingml/2006/main" xmlns:r="http://schemas.openxmlformats.org/officeDocument/2006/relationships" xmlns:p="http://schemas.openxmlformats.org/presentationml/2006/main">
   <p:cSld>
     <p:spTree>
@@ -12350,7 +14157,7 @@
 </p:sld>
 </file>
 
-<file path=ppt/slides/slide8.xml><?xml version="1.0" encoding="utf-8"?>
+<file path=ppt/slides/slide9.xml><?xml version="1.0" encoding="utf-8"?>
 <p:sld xmlns:a="http://schemas.openxmlformats.org/drawingml/2006/main" xmlns:r="http://schemas.openxmlformats.org/officeDocument/2006/relationships" xmlns:p="http://schemas.openxmlformats.org/presentationml/2006/main">
   <p:cSld>
     <p:spTree>
@@ -12418,7 +14225,7 @@
         <p:spPr>
           <a:xfrm>
             <a:off x="457200" y="1600201"/>
-            <a:ext cx="8229600" cy="3231624"/>
+            <a:ext cx="8229600" cy="4124176"/>
           </a:xfrm>
           <a:prstGeom prst="rect">
             <a:avLst/>
@@ -12442,8 +14249,12 @@
               <a:buChar char="●"/>
             </a:pPr>
             <a:r>
+              <a:rPr lang="en-GB" sz="2800" b="1" dirty="0"/>
+              <a:t>Phonetics</a:t>
+            </a:r>
+            <a:r>
               <a:rPr lang="en-GB" sz="2800" dirty="0"/>
-              <a:t>Phonetics: acoustic and perceptual elements</a:t>
+              <a:t>: acoustic and perceptual elements</a:t>
             </a:r>
           </a:p>
           <a:p>
@@ -12458,9 +14269,27 @@
               <a:buFont typeface="Arial"/>
               <a:buChar char="●"/>
             </a:pPr>
+            <a:endParaRPr lang="en-GB" sz="2800" b="1" dirty="0"/>
+          </a:p>
+          <a:p>
+            <a:pPr marL="457200" lvl="0" indent="-381000" rtl="0">
+              <a:spcBef>
+                <a:spcPts val="0"/>
+              </a:spcBef>
+              <a:buClr>
+                <a:schemeClr val="dk1"/>
+              </a:buClr>
+              <a:buSzPct val="100000"/>
+              <a:buFont typeface="Arial"/>
+              <a:buChar char="●"/>
+            </a:pPr>
+            <a:r>
+              <a:rPr lang="en-GB" sz="2800" b="1" dirty="0"/>
+              <a:t>Phonology</a:t>
+            </a:r>
             <a:r>
               <a:rPr lang="en-GB" sz="2800" dirty="0"/>
-              <a:t>Phonology: basic sounds (phonemes) and rules for combination</a:t>
+              <a:t>: basic sounds (phonemes) and rules for combination</a:t>
             </a:r>
           </a:p>
           <a:p>
@@ -12477,15 +14306,15 @@
             </a:pPr>
             <a:r>
               <a:rPr lang="en-GB" sz="2000" dirty="0"/>
-              <a:t>e.g. vowel harmony. </a:t>
+              <a:t>e.g. syllable constraints in Japanese. E.g. English loanword for “dog” in Japanese is “</a:t>
             </a:r>
             <a:r>
               <a:rPr lang="en-GB" sz="2000" dirty="0" err="1"/>
-              <a:t>Anupu</a:t>
+              <a:t>doggu</a:t>
             </a:r>
             <a:r>
               <a:rPr lang="en-GB" sz="2000" dirty="0"/>
-              <a:t> is pronunciation of Anoop in Classic Period Mayan</a:t>
+              <a:t>”</a:t>
             </a:r>
           </a:p>
           <a:p>
@@ -12500,9 +14329,27 @@
               <a:buFont typeface="Arial"/>
               <a:buChar char="●"/>
             </a:pPr>
+            <a:endParaRPr lang="en-GB" sz="2800" b="1" dirty="0"/>
+          </a:p>
+          <a:p>
+            <a:pPr marL="457200" lvl="0" indent="-381000" rtl="0">
+              <a:spcBef>
+                <a:spcPts val="0"/>
+              </a:spcBef>
+              <a:buClr>
+                <a:schemeClr val="dk1"/>
+              </a:buClr>
+              <a:buSzPct val="100000"/>
+              <a:buFont typeface="Arial"/>
+              <a:buChar char="●"/>
+            </a:pPr>
+            <a:r>
+              <a:rPr lang="en-GB" sz="2800" b="1" dirty="0"/>
+              <a:t>Morphology</a:t>
+            </a:r>
             <a:r>
               <a:rPr lang="en-GB" sz="2800" dirty="0"/>
-              <a:t>Morphology: how morphemes combine to form words, relationship of phonemes to meaning</a:t>
+              <a:t>: how morphemes combine to form words, relationship of phonemes to meaning</a:t>
             </a:r>
           </a:p>
           <a:p>
@@ -12537,34 +14384,6 @@
           </a:p>
         </p:txBody>
       </p:sp>
-      <p:pic>
-        <p:nvPicPr>
-          <p:cNvPr id="58" name="Shape 58"/>
-          <p:cNvPicPr preferRelativeResize="0"/>
-          <p:nvPr/>
-        </p:nvPicPr>
-        <p:blipFill>
-          <a:blip r:embed="rId3">
-            <a:alphaModFix/>
-          </a:blip>
-          <a:stretch>
-            <a:fillRect/>
-          </a:stretch>
-        </p:blipFill>
-        <p:spPr>
-          <a:xfrm>
-            <a:off x="8124325" y="2398234"/>
-            <a:ext cx="932900" cy="1691665"/>
-          </a:xfrm>
-          <a:prstGeom prst="rect">
-            <a:avLst/>
-          </a:prstGeom>
-          <a:noFill/>
-          <a:ln>
-            <a:noFill/>
-          </a:ln>
-        </p:spPr>
-      </p:pic>
     </p:spTree>
     <p:extLst>
       <p:ext uri="{BB962C8B-B14F-4D97-AF65-F5344CB8AC3E}">
@@ -12663,7 +14482,7 @@
                                         <p:tgtEl>
                                           <p:spTgt spid="57">
                                             <p:txEl>
-                                              <p:pRg st="1" end="1"/>
+                                              <p:pRg st="2" end="2"/>
                                             </p:txEl>
                                           </p:spTgt>
                                         </p:tgtEl>
@@ -12712,7 +14531,7 @@
                                         <p:tgtEl>
                                           <p:spTgt spid="57">
                                             <p:txEl>
-                                              <p:pRg st="2" end="2"/>
+                                              <p:pRg st="3" end="3"/>
                                             </p:txEl>
                                           </p:spTgt>
                                         </p:tgtEl>
@@ -12759,7 +14578,11 @@
                                           </p:stCondLst>
                                         </p:cTn>
                                         <p:tgtEl>
-                                          <p:spTgt spid="58"/>
+                                          <p:spTgt spid="57">
+                                            <p:txEl>
+                                              <p:pRg st="5" end="5"/>
+                                            </p:txEl>
+                                          </p:spTgt>
                                         </p:tgtEl>
                                         <p:attrNameLst>
                                           <p:attrName>style.visibility</p:attrName>
@@ -12806,56 +14629,7 @@
                                         <p:tgtEl>
                                           <p:spTgt spid="57">
                                             <p:txEl>
-                                              <p:pRg st="3" end="3"/>
-                                            </p:txEl>
-                                          </p:spTgt>
-                                        </p:tgtEl>
-                                        <p:attrNameLst>
-                                          <p:attrName>style.visibility</p:attrName>
-                                        </p:attrNameLst>
-                                      </p:cBhvr>
-                                      <p:to>
-                                        <p:strVal val="visible"/>
-                                      </p:to>
-                                    </p:set>
-                                  </p:childTnLst>
-                                </p:cTn>
-                              </p:par>
-                            </p:childTnLst>
-                          </p:cTn>
-                        </p:par>
-                      </p:childTnLst>
-                    </p:cTn>
-                  </p:par>
-                  <p:par>
-                    <p:cTn id="23" fill="hold">
-                      <p:stCondLst>
-                        <p:cond delay="indefinite"/>
-                      </p:stCondLst>
-                      <p:childTnLst>
-                        <p:par>
-                          <p:cTn id="24" fill="hold">
-                            <p:stCondLst>
-                              <p:cond delay="0"/>
-                            </p:stCondLst>
-                            <p:childTnLst>
-                              <p:par>
-                                <p:cTn id="25" presetID="1" presetClass="entr" presetSubtype="0" fill="hold" nodeType="clickEffect">
-                                  <p:stCondLst>
-                                    <p:cond delay="0"/>
-                                  </p:stCondLst>
-                                  <p:childTnLst>
-                                    <p:set>
-                                      <p:cBhvr>
-                                        <p:cTn id="26" dur="1" fill="hold">
-                                          <p:stCondLst>
-                                            <p:cond delay="0"/>
-                                          </p:stCondLst>
-                                        </p:cTn>
-                                        <p:tgtEl>
-                                          <p:spTgt spid="57">
-                                            <p:txEl>
-                                              <p:pRg st="4" end="4"/>
+                                              <p:pRg st="6" end="6"/>
                                             </p:txEl>
                                           </p:spTgt>
                                         </p:tgtEl>
@@ -12897,478 +14671,6 @@
         </p:cTn>
       </p:par>
     </p:tnLst>
-  </p:timing>
-</p:sld>
-</file>
-
-<file path=ppt/slides/slide9.xml><?xml version="1.0" encoding="utf-8"?>
-<p:sld xmlns:a="http://schemas.openxmlformats.org/drawingml/2006/main" xmlns:r="http://schemas.openxmlformats.org/officeDocument/2006/relationships" xmlns:p="http://schemas.openxmlformats.org/presentationml/2006/main">
-  <p:cSld>
-    <p:spTree>
-      <p:nvGrpSpPr>
-        <p:cNvPr id="1" name="Shape 62"/>
-        <p:cNvGrpSpPr/>
-        <p:nvPr/>
-      </p:nvGrpSpPr>
-      <p:grpSpPr>
-        <a:xfrm>
-          <a:off x="0" y="0"/>
-          <a:ext cx="0" cy="0"/>
-          <a:chOff x="0" y="0"/>
-          <a:chExt cx="0" cy="0"/>
-        </a:xfrm>
-      </p:grpSpPr>
-      <p:sp>
-        <p:nvSpPr>
-          <p:cNvPr id="63" name="Shape 63"/>
-          <p:cNvSpPr txBox="1">
-            <a:spLocks noGrp="1"/>
-          </p:cNvSpPr>
-          <p:nvPr>
-            <p:ph type="title"/>
-          </p:nvPr>
-        </p:nvSpPr>
-        <p:spPr>
-          <a:xfrm>
-            <a:off x="457200" y="556093"/>
-            <a:ext cx="8229600" cy="861744"/>
-          </a:xfrm>
-          <a:prstGeom prst="rect">
-            <a:avLst/>
-          </a:prstGeom>
-        </p:spPr>
-        <p:txBody>
-          <a:bodyPr lIns="91425" tIns="91425" rIns="91425" bIns="91425" anchor="b" anchorCtr="0">
-            <a:spAutoFit/>
-          </a:bodyPr>
-          <a:lstStyle/>
-          <a:p>
-            <a:pPr lvl="0" rtl="0">
-              <a:spcBef>
-                <a:spcPts val="0"/>
-              </a:spcBef>
-              <a:buNone/>
-            </a:pPr>
-            <a:r>
-              <a:rPr lang="en-GB"/>
-              <a:t>Different levels of language</a:t>
-            </a:r>
-          </a:p>
-        </p:txBody>
-      </p:sp>
-      <p:sp>
-        <p:nvSpPr>
-          <p:cNvPr id="64" name="Shape 64"/>
-          <p:cNvSpPr txBox="1">
-            <a:spLocks noGrp="1"/>
-          </p:cNvSpPr>
-          <p:nvPr>
-            <p:ph type="body" idx="1"/>
-          </p:nvPr>
-        </p:nvSpPr>
-        <p:spPr>
-          <a:xfrm>
-            <a:off x="457200" y="1600201"/>
-            <a:ext cx="8229600" cy="3539400"/>
-          </a:xfrm>
-          <a:prstGeom prst="rect">
-            <a:avLst/>
-          </a:prstGeom>
-        </p:spPr>
-        <p:txBody>
-          <a:bodyPr lIns="91425" tIns="91425" rIns="91425" bIns="91425" anchor="t" anchorCtr="0">
-            <a:spAutoFit/>
-          </a:bodyPr>
-          <a:lstStyle/>
-          <a:p>
-            <a:pPr marL="457200" lvl="0" indent="-381000" rtl="0">
-              <a:spcBef>
-                <a:spcPts val="0"/>
-              </a:spcBef>
-              <a:buClr>
-                <a:schemeClr val="dk1"/>
-              </a:buClr>
-              <a:buSzPct val="100000"/>
-              <a:buFont typeface="Arial"/>
-              <a:buChar char="●"/>
-            </a:pPr>
-            <a:r>
-              <a:rPr lang="en-GB" sz="2800" dirty="0"/>
-              <a:t>Syntax: sentence formation</a:t>
-            </a:r>
-          </a:p>
-          <a:p>
-            <a:pPr marL="914400" lvl="1" indent="-342900" rtl="0">
-              <a:spcBef>
-                <a:spcPts val="0"/>
-              </a:spcBef>
-              <a:buClr>
-                <a:schemeClr val="dk1"/>
-              </a:buClr>
-              <a:buSzPct val="100000"/>
-              <a:buFont typeface="Arial"/>
-              <a:buChar char="○"/>
-            </a:pPr>
-            <a:r>
-              <a:rPr lang="en-GB" sz="2000" dirty="0"/>
-              <a:t>e.g. The clown who the musician hits watches the ballerina</a:t>
-            </a:r>
-          </a:p>
-          <a:p>
-            <a:pPr marL="457200" lvl="0" indent="-381000" rtl="0">
-              <a:spcBef>
-                <a:spcPts val="0"/>
-              </a:spcBef>
-              <a:buClr>
-                <a:schemeClr val="dk1"/>
-              </a:buClr>
-              <a:buSzPct val="100000"/>
-              <a:buFont typeface="Arial"/>
-              <a:buChar char="●"/>
-            </a:pPr>
-            <a:r>
-              <a:rPr lang="en-GB" sz="2800" dirty="0"/>
-              <a:t>Semantics: meaning (from syntax to logical formulas)</a:t>
-            </a:r>
-          </a:p>
-          <a:p>
-            <a:pPr marL="914400" lvl="1" indent="-342900" rtl="0">
-              <a:spcBef>
-                <a:spcPts val="0"/>
-              </a:spcBef>
-              <a:buClr>
-                <a:schemeClr val="dk1"/>
-              </a:buClr>
-              <a:buSzPct val="100000"/>
-              <a:buFont typeface="Arial"/>
-              <a:buChar char="○"/>
-            </a:pPr>
-            <a:r>
-              <a:rPr lang="en-GB" sz="2000" dirty="0"/>
-              <a:t>e.g.  Everyone is not here =&gt; what does this mean? Nobody / Not everyone is here.</a:t>
-            </a:r>
-          </a:p>
-          <a:p>
-            <a:pPr marL="457200" lvl="0" indent="-381000" rtl="0">
-              <a:spcBef>
-                <a:spcPts val="0"/>
-              </a:spcBef>
-              <a:buClr>
-                <a:schemeClr val="dk1"/>
-              </a:buClr>
-              <a:buSzPct val="100000"/>
-              <a:buFont typeface="Arial"/>
-              <a:buChar char="●"/>
-            </a:pPr>
-            <a:r>
-              <a:rPr lang="en-GB" sz="2800" dirty="0"/>
-              <a:t>Pragmatics: meaning that is not part of compositional meaning,</a:t>
-            </a:r>
-          </a:p>
-          <a:p>
-            <a:pPr marL="914400" lvl="1" indent="-342900" rtl="0">
-              <a:spcBef>
-                <a:spcPts val="0"/>
-              </a:spcBef>
-              <a:buClr>
-                <a:schemeClr val="dk1"/>
-              </a:buClr>
-              <a:buSzPct val="100000"/>
-              <a:buFont typeface="Arial"/>
-              <a:buChar char="○"/>
-            </a:pPr>
-            <a:r>
-              <a:rPr lang="en-GB" sz="2000" dirty="0"/>
-              <a:t>e.g. This professor dresses even worse than Anoop!</a:t>
-            </a:r>
-          </a:p>
-        </p:txBody>
-      </p:sp>
-    </p:spTree>
-    <p:extLst>
-      <p:ext uri="{BB962C8B-B14F-4D97-AF65-F5344CB8AC3E}">
-        <p14:creationId xmlns:p14="http://schemas.microsoft.com/office/powerpoint/2010/main" val="1626974650"/>
-      </p:ext>
-    </p:extLst>
-  </p:cSld>
-  <p:clrMapOvr>
-    <a:masterClrMapping/>
-  </p:clrMapOvr>
-  <p:transition spd="slow">
-    <p:cut/>
-  </p:transition>
-  <p:timing>
-    <p:tnLst>
-      <p:par>
-        <p:cTn id="1" dur="indefinite" restart="never" nodeType="tmRoot">
-          <p:childTnLst>
-            <p:seq concurrent="1" nextAc="seek">
-              <p:cTn id="2" dur="indefinite" nodeType="mainSeq">
-                <p:childTnLst>
-                  <p:par>
-                    <p:cTn id="3" fill="hold">
-                      <p:stCondLst>
-                        <p:cond delay="indefinite"/>
-                      </p:stCondLst>
-                      <p:childTnLst>
-                        <p:par>
-                          <p:cTn id="4" fill="hold">
-                            <p:stCondLst>
-                              <p:cond delay="0"/>
-                            </p:stCondLst>
-                            <p:childTnLst>
-                              <p:par>
-                                <p:cTn id="5" presetID="1" presetClass="entr" presetSubtype="0" fill="hold" grpId="0" nodeType="clickEffect">
-                                  <p:stCondLst>
-                                    <p:cond delay="0"/>
-                                  </p:stCondLst>
-                                  <p:childTnLst>
-                                    <p:set>
-                                      <p:cBhvr>
-                                        <p:cTn id="6" dur="1" fill="hold">
-                                          <p:stCondLst>
-                                            <p:cond delay="0"/>
-                                          </p:stCondLst>
-                                        </p:cTn>
-                                        <p:tgtEl>
-                                          <p:spTgt spid="64">
-                                            <p:txEl>
-                                              <p:pRg st="0" end="0"/>
-                                            </p:txEl>
-                                          </p:spTgt>
-                                        </p:tgtEl>
-                                        <p:attrNameLst>
-                                          <p:attrName>style.visibility</p:attrName>
-                                        </p:attrNameLst>
-                                      </p:cBhvr>
-                                      <p:to>
-                                        <p:strVal val="visible"/>
-                                      </p:to>
-                                    </p:set>
-                                  </p:childTnLst>
-                                </p:cTn>
-                              </p:par>
-                              <p:par>
-                                <p:cTn id="7" presetID="1" presetClass="entr" presetSubtype="0" fill="hold" grpId="0" nodeType="withEffect">
-                                  <p:stCondLst>
-                                    <p:cond delay="0"/>
-                                  </p:stCondLst>
-                                  <p:childTnLst>
-                                    <p:set>
-                                      <p:cBhvr>
-                                        <p:cTn id="8" dur="1" fill="hold">
-                                          <p:stCondLst>
-                                            <p:cond delay="0"/>
-                                          </p:stCondLst>
-                                        </p:cTn>
-                                        <p:tgtEl>
-                                          <p:spTgt spid="64">
-                                            <p:txEl>
-                                              <p:pRg st="1" end="1"/>
-                                            </p:txEl>
-                                          </p:spTgt>
-                                        </p:tgtEl>
-                                        <p:attrNameLst>
-                                          <p:attrName>style.visibility</p:attrName>
-                                        </p:attrNameLst>
-                                      </p:cBhvr>
-                                      <p:to>
-                                        <p:strVal val="visible"/>
-                                      </p:to>
-                                    </p:set>
-                                  </p:childTnLst>
-                                </p:cTn>
-                              </p:par>
-                            </p:childTnLst>
-                          </p:cTn>
-                        </p:par>
-                      </p:childTnLst>
-                    </p:cTn>
-                  </p:par>
-                  <p:par>
-                    <p:cTn id="9" fill="hold">
-                      <p:stCondLst>
-                        <p:cond delay="indefinite"/>
-                      </p:stCondLst>
-                      <p:childTnLst>
-                        <p:par>
-                          <p:cTn id="10" fill="hold">
-                            <p:stCondLst>
-                              <p:cond delay="0"/>
-                            </p:stCondLst>
-                            <p:childTnLst>
-                              <p:par>
-                                <p:cTn id="11" presetID="1" presetClass="entr" presetSubtype="0" fill="hold" grpId="0" nodeType="clickEffect">
-                                  <p:stCondLst>
-                                    <p:cond delay="0"/>
-                                  </p:stCondLst>
-                                  <p:childTnLst>
-                                    <p:set>
-                                      <p:cBhvr>
-                                        <p:cTn id="12" dur="1" fill="hold">
-                                          <p:stCondLst>
-                                            <p:cond delay="0"/>
-                                          </p:stCondLst>
-                                        </p:cTn>
-                                        <p:tgtEl>
-                                          <p:spTgt spid="64">
-                                            <p:txEl>
-                                              <p:pRg st="2" end="2"/>
-                                            </p:txEl>
-                                          </p:spTgt>
-                                        </p:tgtEl>
-                                        <p:attrNameLst>
-                                          <p:attrName>style.visibility</p:attrName>
-                                        </p:attrNameLst>
-                                      </p:cBhvr>
-                                      <p:to>
-                                        <p:strVal val="visible"/>
-                                      </p:to>
-                                    </p:set>
-                                  </p:childTnLst>
-                                </p:cTn>
-                              </p:par>
-                              <p:par>
-                                <p:cTn id="13" presetID="1" presetClass="entr" presetSubtype="0" fill="hold" grpId="0" nodeType="withEffect">
-                                  <p:stCondLst>
-                                    <p:cond delay="0"/>
-                                  </p:stCondLst>
-                                  <p:childTnLst>
-                                    <p:set>
-                                      <p:cBhvr>
-                                        <p:cTn id="14" dur="1" fill="hold">
-                                          <p:stCondLst>
-                                            <p:cond delay="0"/>
-                                          </p:stCondLst>
-                                        </p:cTn>
-                                        <p:tgtEl>
-                                          <p:spTgt spid="64">
-                                            <p:txEl>
-                                              <p:pRg st="3" end="3"/>
-                                            </p:txEl>
-                                          </p:spTgt>
-                                        </p:tgtEl>
-                                        <p:attrNameLst>
-                                          <p:attrName>style.visibility</p:attrName>
-                                        </p:attrNameLst>
-                                      </p:cBhvr>
-                                      <p:to>
-                                        <p:strVal val="visible"/>
-                                      </p:to>
-                                    </p:set>
-                                  </p:childTnLst>
-                                </p:cTn>
-                              </p:par>
-                            </p:childTnLst>
-                          </p:cTn>
-                        </p:par>
-                      </p:childTnLst>
-                    </p:cTn>
-                  </p:par>
-                  <p:par>
-                    <p:cTn id="15" fill="hold">
-                      <p:stCondLst>
-                        <p:cond delay="indefinite"/>
-                      </p:stCondLst>
-                      <p:childTnLst>
-                        <p:par>
-                          <p:cTn id="16" fill="hold">
-                            <p:stCondLst>
-                              <p:cond delay="0"/>
-                            </p:stCondLst>
-                            <p:childTnLst>
-                              <p:par>
-                                <p:cTn id="17" presetID="1" presetClass="entr" presetSubtype="0" fill="hold" grpId="0" nodeType="clickEffect">
-                                  <p:stCondLst>
-                                    <p:cond delay="0"/>
-                                  </p:stCondLst>
-                                  <p:childTnLst>
-                                    <p:set>
-                                      <p:cBhvr>
-                                        <p:cTn id="18" dur="1" fill="hold">
-                                          <p:stCondLst>
-                                            <p:cond delay="0"/>
-                                          </p:stCondLst>
-                                        </p:cTn>
-                                        <p:tgtEl>
-                                          <p:spTgt spid="64">
-                                            <p:txEl>
-                                              <p:pRg st="4" end="4"/>
-                                            </p:txEl>
-                                          </p:spTgt>
-                                        </p:tgtEl>
-                                        <p:attrNameLst>
-                                          <p:attrName>style.visibility</p:attrName>
-                                        </p:attrNameLst>
-                                      </p:cBhvr>
-                                      <p:to>
-                                        <p:strVal val="visible"/>
-                                      </p:to>
-                                    </p:set>
-                                  </p:childTnLst>
-                                </p:cTn>
-                              </p:par>
-                              <p:par>
-                                <p:cTn id="19" presetID="1" presetClass="entr" presetSubtype="0" fill="hold" grpId="0" nodeType="withEffect">
-                                  <p:stCondLst>
-                                    <p:cond delay="0"/>
-                                  </p:stCondLst>
-                                  <p:childTnLst>
-                                    <p:set>
-                                      <p:cBhvr>
-                                        <p:cTn id="20" dur="1" fill="hold">
-                                          <p:stCondLst>
-                                            <p:cond delay="0"/>
-                                          </p:stCondLst>
-                                        </p:cTn>
-                                        <p:tgtEl>
-                                          <p:spTgt spid="64">
-                                            <p:txEl>
-                                              <p:pRg st="5" end="5"/>
-                                            </p:txEl>
-                                          </p:spTgt>
-                                        </p:tgtEl>
-                                        <p:attrNameLst>
-                                          <p:attrName>style.visibility</p:attrName>
-                                        </p:attrNameLst>
-                                      </p:cBhvr>
-                                      <p:to>
-                                        <p:strVal val="visible"/>
-                                      </p:to>
-                                    </p:set>
-                                  </p:childTnLst>
-                                </p:cTn>
-                              </p:par>
-                            </p:childTnLst>
-                          </p:cTn>
-                        </p:par>
-                      </p:childTnLst>
-                    </p:cTn>
-                  </p:par>
-                </p:childTnLst>
-              </p:cTn>
-              <p:prevCondLst>
-                <p:cond evt="onPrev" delay="0">
-                  <p:tgtEl>
-                    <p:sldTgt/>
-                  </p:tgtEl>
-                </p:cond>
-              </p:prevCondLst>
-              <p:nextCondLst>
-                <p:cond evt="onNext" delay="0">
-                  <p:tgtEl>
-                    <p:sldTgt/>
-                  </p:tgtEl>
-                </p:cond>
-              </p:nextCondLst>
-            </p:seq>
-          </p:childTnLst>
-        </p:cTn>
-      </p:par>
-    </p:tnLst>
-    <p:bldLst>
-      <p:bldP spid="64" grpId="0" uiExpand="1" build="p"/>
-    </p:bldLst>
   </p:timing>
 </p:sld>
 </file>
